--- a/CREDITOS OTORGADOS - PRODUBANCO 3.pptx
+++ b/CREDITOS OTORGADOS - PRODUBANCO 3.pptx
@@ -5,7 +5,7 @@
     <p:sldMasterId id="2147483660" r:id="rId1"/>
   </p:sldMasterIdLst>
   <p:notesMasterIdLst>
-    <p:notesMasterId r:id="rId18"/>
+    <p:notesMasterId r:id="rId20"/>
   </p:notesMasterIdLst>
   <p:sldIdLst>
     <p:sldId id="289" r:id="rId2"/>
@@ -14,44 +14,46 @@
     <p:sldId id="267" r:id="rId5"/>
     <p:sldId id="292" r:id="rId6"/>
     <p:sldId id="294" r:id="rId7"/>
-    <p:sldId id="275" r:id="rId8"/>
-    <p:sldId id="300" r:id="rId9"/>
-    <p:sldId id="295" r:id="rId10"/>
-    <p:sldId id="296" r:id="rId11"/>
-    <p:sldId id="297" r:id="rId12"/>
-    <p:sldId id="298" r:id="rId13"/>
-    <p:sldId id="299" r:id="rId14"/>
-    <p:sldId id="263" r:id="rId15"/>
-    <p:sldId id="293" r:id="rId16"/>
-    <p:sldId id="265" r:id="rId17"/>
+    <p:sldId id="301" r:id="rId8"/>
+    <p:sldId id="302" r:id="rId9"/>
+    <p:sldId id="275" r:id="rId10"/>
+    <p:sldId id="295" r:id="rId11"/>
+    <p:sldId id="296" r:id="rId12"/>
+    <p:sldId id="300" r:id="rId13"/>
+    <p:sldId id="297" r:id="rId14"/>
+    <p:sldId id="298" r:id="rId15"/>
+    <p:sldId id="299" r:id="rId16"/>
+    <p:sldId id="263" r:id="rId17"/>
+    <p:sldId id="293" r:id="rId18"/>
+    <p:sldId id="265" r:id="rId19"/>
   </p:sldIdLst>
   <p:sldSz cx="9144000" cy="5143500" type="screen16x9"/>
   <p:notesSz cx="6858000" cy="9144000"/>
   <p:embeddedFontLst>
     <p:embeddedFont>
       <p:font typeface="Bebas Neue" panose="020B0606020202050201" pitchFamily="34" charset="0"/>
-      <p:regular r:id="rId19"/>
+      <p:regular r:id="rId21"/>
     </p:embeddedFont>
     <p:embeddedFont>
       <p:font typeface="Fira Sans Extra Condensed Medium" panose="020B0604020202020204" charset="0"/>
-      <p:regular r:id="rId20"/>
-      <p:bold r:id="rId21"/>
-      <p:italic r:id="rId22"/>
-      <p:boldItalic r:id="rId23"/>
+      <p:regular r:id="rId22"/>
+      <p:bold r:id="rId23"/>
+      <p:italic r:id="rId24"/>
+      <p:boldItalic r:id="rId25"/>
     </p:embeddedFont>
     <p:embeddedFont>
       <p:font typeface="Lato Light" panose="020F0302020204030203" pitchFamily="34" charset="0"/>
-      <p:regular r:id="rId24"/>
-      <p:bold r:id="rId25"/>
-      <p:italic r:id="rId26"/>
-      <p:boldItalic r:id="rId27"/>
+      <p:regular r:id="rId26"/>
+      <p:bold r:id="rId27"/>
+      <p:italic r:id="rId28"/>
+      <p:boldItalic r:id="rId29"/>
     </p:embeddedFont>
     <p:embeddedFont>
       <p:font typeface="Roboto" panose="02000000000000000000" pitchFamily="2" charset="0"/>
-      <p:regular r:id="rId28"/>
-      <p:bold r:id="rId29"/>
-      <p:italic r:id="rId30"/>
-      <p:boldItalic r:id="rId31"/>
+      <p:regular r:id="rId30"/>
+      <p:bold r:id="rId31"/>
+      <p:italic r:id="rId32"/>
+      <p:boldItalic r:id="rId33"/>
     </p:embeddedFont>
   </p:embeddedFontLst>
   <p:defaultTextStyle>
@@ -391,6 +393,93 @@
 </pc:chgInfo>
 </file>
 
+<file path=ppt/ink/ink1.xml><?xml version="1.0" encoding="utf-8"?>
+<inkml:ink xmlns:inkml="http://www.w3.org/2003/InkML">
+  <inkml:definitions>
+    <inkml:context xml:id="ctx0">
+      <inkml:inkSource xml:id="inkSrc0">
+        <inkml:traceFormat>
+          <inkml:channel name="X" type="integer" min="-2.14748E9" max="2.14748E9" units="cm"/>
+          <inkml:channel name="Y" type="integer" min="-2.14748E9" max="2.14748E9" units="cm"/>
+        </inkml:traceFormat>
+        <inkml:channelProperties>
+          <inkml:channelProperty channel="X" name="resolution" value="1000" units="1/cm"/>
+          <inkml:channelProperty channel="Y" name="resolution" value="1000" units="1/cm"/>
+        </inkml:channelProperties>
+      </inkml:inkSource>
+      <inkml:timestamp xml:id="ts0" timeString="2024-06-29T15:02:40.262"/>
+    </inkml:context>
+    <inkml:brush xml:id="br0">
+      <inkml:brushProperty name="width" value="0.3" units="cm"/>
+      <inkml:brushProperty name="height" value="0.6" units="cm"/>
+      <inkml:brushProperty name="color" value="#FFFC00"/>
+      <inkml:brushProperty name="tip" value="rectangle"/>
+      <inkml:brushProperty name="rasterOp" value="maskPen"/>
+      <inkml:brushProperty name="ignorePressure" value="1"/>
+    </inkml:brush>
+  </inkml:definitions>
+  <inkml:trace contextRef="#ctx0" brushRef="#br0">0 0,'0'0</inkml:trace>
+</inkml:ink>
+</file>
+
+<file path=ppt/ink/ink2.xml><?xml version="1.0" encoding="utf-8"?>
+<inkml:ink xmlns:inkml="http://www.w3.org/2003/InkML">
+  <inkml:definitions>
+    <inkml:context xml:id="ctx0">
+      <inkml:inkSource xml:id="inkSrc0">
+        <inkml:traceFormat>
+          <inkml:channel name="X" type="integer" min="-2.14748E9" max="2.14748E9" units="cm"/>
+          <inkml:channel name="Y" type="integer" min="-2.14748E9" max="2.14748E9" units="cm"/>
+        </inkml:traceFormat>
+        <inkml:channelProperties>
+          <inkml:channelProperty channel="X" name="resolution" value="1000" units="1/cm"/>
+          <inkml:channelProperty channel="Y" name="resolution" value="1000" units="1/cm"/>
+        </inkml:channelProperties>
+      </inkml:inkSource>
+      <inkml:timestamp xml:id="ts0" timeString="2024-06-29T15:02:51.849"/>
+    </inkml:context>
+    <inkml:brush xml:id="br0">
+      <inkml:brushProperty name="width" value="0.3" units="cm"/>
+      <inkml:brushProperty name="height" value="0.6" units="cm"/>
+      <inkml:brushProperty name="color" value="#FFFC00"/>
+      <inkml:brushProperty name="tip" value="rectangle"/>
+      <inkml:brushProperty name="rasterOp" value="maskPen"/>
+      <inkml:brushProperty name="ignorePressure" value="1"/>
+    </inkml:brush>
+  </inkml:definitions>
+  <inkml:trace contextRef="#ctx0" brushRef="#br0">0 1,'0'0</inkml:trace>
+</inkml:ink>
+</file>
+
+<file path=ppt/ink/ink3.xml><?xml version="1.0" encoding="utf-8"?>
+<inkml:ink xmlns:inkml="http://www.w3.org/2003/InkML">
+  <inkml:definitions>
+    <inkml:context xml:id="ctx0">
+      <inkml:inkSource xml:id="inkSrc0">
+        <inkml:traceFormat>
+          <inkml:channel name="X" type="integer" min="-2.14748E9" max="2.14748E9" units="cm"/>
+          <inkml:channel name="Y" type="integer" min="-2.14748E9" max="2.14748E9" units="cm"/>
+        </inkml:traceFormat>
+        <inkml:channelProperties>
+          <inkml:channelProperty channel="X" name="resolution" value="1000" units="1/cm"/>
+          <inkml:channelProperty channel="Y" name="resolution" value="1000" units="1/cm"/>
+        </inkml:channelProperties>
+      </inkml:inkSource>
+      <inkml:timestamp xml:id="ts0" timeString="2024-06-29T15:02:53.848"/>
+    </inkml:context>
+    <inkml:brush xml:id="br0">
+      <inkml:brushProperty name="width" value="0.3" units="cm"/>
+      <inkml:brushProperty name="height" value="0.6" units="cm"/>
+      <inkml:brushProperty name="color" value="#FFFC00"/>
+      <inkml:brushProperty name="tip" value="rectangle"/>
+      <inkml:brushProperty name="rasterOp" value="maskPen"/>
+      <inkml:brushProperty name="ignorePressure" value="1"/>
+    </inkml:brush>
+  </inkml:definitions>
+  <inkml:trace contextRef="#ctx0" brushRef="#br0">0 0,'0'0</inkml:trace>
+</inkml:ink>
+</file>
+
 <file path=ppt/notesMasters/notesMaster1.xml><?xml version="1.0" encoding="utf-8"?>
 <p:notesMaster xmlns:a="http://schemas.openxmlformats.org/drawingml/2006/main" xmlns:r="http://schemas.openxmlformats.org/officeDocument/2006/relationships" xmlns:p="http://schemas.openxmlformats.org/presentationml/2006/main">
   <p:cSld>
@@ -1021,51 +1110,51 @@
           <a:p>
             <a:r>
               <a:rPr lang="es-EC" dirty="0"/>
-              <a:t>gráfico de contingencia que muestra la relación entre dos variables categóricas: la clase social de nuestros clientes y si son considerados mal pagadores. En el eje X tenemos la variable 'Marca Mal Pagador', donde 0 significa que no son mal pagadores y 1 significa que sí lo son. En el eje Y tenemos las diferentes clases sociales, desde </a:t>
+              <a:t>"En esta gráfica estamos viendo la distribución del ratio 'loan/</a:t>
             </a:r>
             <a:r>
               <a:rPr lang="es-EC" dirty="0" err="1"/>
-              <a:t>lower</a:t>
+              <a:t>income</a:t>
             </a:r>
             <a:r>
               <a:rPr lang="es-EC" dirty="0"/>
-              <a:t> hasta </a:t>
+              <a:t>' entre nuestros clientes. El ratio 'loan/</a:t>
             </a:r>
             <a:r>
               <a:rPr lang="es-EC" dirty="0" err="1"/>
-              <a:t>upper</a:t>
+              <a:t>income</a:t>
             </a:r>
             <a:r>
               <a:rPr lang="es-EC" dirty="0"/>
-              <a:t>.</a:t>
+              <a:t>' nos indica el nivel de deuda de un cliente en relación con sus ingresos. En el eje X tenemos los valores del ratio, donde 0 significa que la deuda es muy baja en comparación con los ingresos, y 1 significa que la deuda es igual a los ingresos. En el eje Y tenemos la frecuencia, o el número de clientes, para cada rango de 'loan/</a:t>
+            </a:r>
+            <a:r>
+              <a:rPr lang="es-EC" dirty="0" err="1"/>
+              <a:t>income</a:t>
+            </a:r>
+            <a:r>
+              <a:rPr lang="es-EC" dirty="0"/>
+              <a:t>'.</a:t>
             </a:r>
           </a:p>
           <a:p>
             <a:r>
               <a:rPr lang="es-EC" dirty="0"/>
-              <a:t>Podemos observar que las clases </a:t>
+              <a:t>Podemos observar que la mayoría de nuestros clientes tienen un ratio 'loan/</a:t>
             </a:r>
             <a:r>
               <a:rPr lang="es-EC" dirty="0" err="1"/>
-              <a:t>middle</a:t>
+              <a:t>income</a:t>
             </a:r>
             <a:r>
               <a:rPr lang="es-EC" dirty="0"/>
-              <a:t> y </a:t>
-            </a:r>
-            <a:r>
-              <a:rPr lang="es-EC" dirty="0" err="1"/>
-              <a:t>upper-middle</a:t>
-            </a:r>
-            <a:r>
-              <a:rPr lang="es-EC" dirty="0"/>
-              <a:t> tienen las frecuencias más altas de no mal pagadores, lo que sugiere que estos grupos son más capaces de cumplir con sus obligaciones financieras. Sin embargo, también podemos ver que los mal pagadores están presentes en todas las clases sociales, aunque en menor frecuencia.</a:t>
+              <a:t>' entre 0 y 0.4. Esto sugiere que la mayoría tiene una deuda que es baja en comparación con sus ingresos, lo cual es positivo ya que indica una carga de deuda manejable. La curva de densidad azul nos muestra de manera más suave cómo se distribuyen estos datos, confirmando que la mayoría de los clientes se encuentran en los rangos bajos del ratio.</a:t>
             </a:r>
           </a:p>
           <a:p>
             <a:r>
               <a:rPr lang="es-EC" dirty="0"/>
-              <a:t>Esta información es crucial para nuestras estrategias de crédito, ya que nos permite entender mejor el perfil de riesgo asociado a cada clase social.</a:t>
+              <a:t>En términos de riesgo de deuda, esto es una señal positiva, ya que implica que nuestros clientes tienen una buena capacidad para manejar sus deudas en relación con sus ingresos. Esta información es crucial para nuestras estrategias de planificación financiera y evaluación de riesgos de crédito."</a:t>
             </a:r>
           </a:p>
           <a:p>
@@ -1085,7 +1174,7 @@
     </p:spTree>
     <p:extLst>
       <p:ext uri="{BB962C8B-B14F-4D97-AF65-F5344CB8AC3E}">
-        <p14:creationId xmlns:p14="http://schemas.microsoft.com/office/powerpoint/2010/main" val="3119667266"/>
+        <p14:creationId xmlns:p14="http://schemas.microsoft.com/office/powerpoint/2010/main" val="3621152585"/>
       </p:ext>
     </p:extLst>
   </p:cSld>
@@ -1194,7 +1283,7 @@
     </p:spTree>
     <p:extLst>
       <p:ext uri="{BB962C8B-B14F-4D97-AF65-F5344CB8AC3E}">
-        <p14:creationId xmlns:p14="http://schemas.microsoft.com/office/powerpoint/2010/main" val="3720564751"/>
+        <p14:creationId xmlns:p14="http://schemas.microsoft.com/office/powerpoint/2010/main" val="1849878877"/>
       </p:ext>
     </p:extLst>
   </p:cSld>
@@ -1311,12 +1400,6 @@
           <a:p>
             <a:r>
               <a:rPr lang="es-EC" dirty="0"/>
-              <a:t>Los números dentro de cada celda representan la cantidad de personas en cada categoría, y los colores nos ayudan a visualizar estas frecuencias, con colores más oscuros indicando mayores cantidades.</a:t>
-            </a:r>
-          </a:p>
-          <a:p>
-            <a:r>
-              <a:rPr lang="es-EC" dirty="0"/>
               <a:t>Podemos observar que las clases </a:t>
             </a:r>
             <a:r>
@@ -1359,6 +1442,224 @@
     </p:spTree>
     <p:extLst>
       <p:ext uri="{BB962C8B-B14F-4D97-AF65-F5344CB8AC3E}">
+        <p14:creationId xmlns:p14="http://schemas.microsoft.com/office/powerpoint/2010/main" val="3119667266"/>
+      </p:ext>
+    </p:extLst>
+  </p:cSld>
+  <p:clrMapOvr>
+    <a:masterClrMapping/>
+  </p:clrMapOvr>
+</p:notes>
+</file>
+
+<file path=ppt/notesSlides/notesSlide13.xml><?xml version="1.0" encoding="utf-8"?>
+<p:notes xmlns:a="http://schemas.openxmlformats.org/drawingml/2006/main" xmlns:r="http://schemas.openxmlformats.org/officeDocument/2006/relationships" xmlns:p="http://schemas.openxmlformats.org/presentationml/2006/main" showMasterSp="0" showMasterPhAnim="0">
+  <p:cSld>
+    <p:spTree>
+      <p:nvGrpSpPr>
+        <p:cNvPr id="1" name="Shape 712"/>
+        <p:cNvGrpSpPr/>
+        <p:nvPr/>
+      </p:nvGrpSpPr>
+      <p:grpSpPr>
+        <a:xfrm>
+          <a:off x="0" y="0"/>
+          <a:ext cx="0" cy="0"/>
+          <a:chOff x="0" y="0"/>
+          <a:chExt cx="0" cy="0"/>
+        </a:xfrm>
+      </p:grpSpPr>
+      <p:sp>
+        <p:nvSpPr>
+          <p:cNvPr id="713" name="Google Shape;713;g98a29d3b26_3_2379:notes"/>
+          <p:cNvSpPr>
+            <a:spLocks noGrp="1" noRot="1" noChangeAspect="1"/>
+          </p:cNvSpPr>
+          <p:nvPr>
+            <p:ph type="sldImg" idx="2"/>
+          </p:nvPr>
+        </p:nvSpPr>
+        <p:spPr>
+          <a:xfrm>
+            <a:off x="381000" y="685800"/>
+            <a:ext cx="6096000" cy="3429000"/>
+          </a:xfrm>
+          <a:custGeom>
+            <a:avLst/>
+            <a:gdLst/>
+            <a:ahLst/>
+            <a:cxnLst/>
+            <a:rect l="l" t="t" r="r" b="b"/>
+            <a:pathLst>
+              <a:path w="120000" h="120000" extrusionOk="0">
+                <a:moveTo>
+                  <a:pt x="0" y="0"/>
+                </a:moveTo>
+                <a:lnTo>
+                  <a:pt x="120000" y="0"/>
+                </a:lnTo>
+                <a:lnTo>
+                  <a:pt x="120000" y="120000"/>
+                </a:lnTo>
+                <a:lnTo>
+                  <a:pt x="0" y="120000"/>
+                </a:lnTo>
+                <a:close/>
+              </a:path>
+            </a:pathLst>
+          </a:custGeom>
+        </p:spPr>
+      </p:sp>
+      <p:sp>
+        <p:nvSpPr>
+          <p:cNvPr id="714" name="Google Shape;714;g98a29d3b26_3_2379:notes"/>
+          <p:cNvSpPr txBox="1">
+            <a:spLocks noGrp="1"/>
+          </p:cNvSpPr>
+          <p:nvPr>
+            <p:ph type="body" idx="1"/>
+          </p:nvPr>
+        </p:nvSpPr>
+        <p:spPr>
+          <a:xfrm>
+            <a:off x="685800" y="4343400"/>
+            <a:ext cx="5486400" cy="4114800"/>
+          </a:xfrm>
+          <a:prstGeom prst="rect">
+            <a:avLst/>
+          </a:prstGeom>
+        </p:spPr>
+        <p:txBody>
+          <a:bodyPr spcFirstLastPara="1" wrap="square" lIns="91425" tIns="91425" rIns="91425" bIns="91425" anchor="t" anchorCtr="0">
+            <a:noAutofit/>
+          </a:bodyPr>
+          <a:lstStyle/>
+          <a:p>
+            <a:pPr marL="0" lvl="0" indent="0" algn="l" rtl="0">
+              <a:spcBef>
+                <a:spcPts val="0"/>
+              </a:spcBef>
+              <a:spcAft>
+                <a:spcPts val="0"/>
+              </a:spcAft>
+              <a:buNone/>
+            </a:pPr>
+            <a:endParaRPr dirty="0"/>
+          </a:p>
+        </p:txBody>
+      </p:sp>
+    </p:spTree>
+    <p:extLst>
+      <p:ext uri="{BB962C8B-B14F-4D97-AF65-F5344CB8AC3E}">
+        <p14:creationId xmlns:p14="http://schemas.microsoft.com/office/powerpoint/2010/main" val="3720564751"/>
+      </p:ext>
+    </p:extLst>
+  </p:cSld>
+  <p:clrMapOvr>
+    <a:masterClrMapping/>
+  </p:clrMapOvr>
+</p:notes>
+</file>
+
+<file path=ppt/notesSlides/notesSlide14.xml><?xml version="1.0" encoding="utf-8"?>
+<p:notes xmlns:a="http://schemas.openxmlformats.org/drawingml/2006/main" xmlns:r="http://schemas.openxmlformats.org/officeDocument/2006/relationships" xmlns:p="http://schemas.openxmlformats.org/presentationml/2006/main" showMasterSp="0" showMasterPhAnim="0">
+  <p:cSld>
+    <p:spTree>
+      <p:nvGrpSpPr>
+        <p:cNvPr id="1" name="Shape 712"/>
+        <p:cNvGrpSpPr/>
+        <p:nvPr/>
+      </p:nvGrpSpPr>
+      <p:grpSpPr>
+        <a:xfrm>
+          <a:off x="0" y="0"/>
+          <a:ext cx="0" cy="0"/>
+          <a:chOff x="0" y="0"/>
+          <a:chExt cx="0" cy="0"/>
+        </a:xfrm>
+      </p:grpSpPr>
+      <p:sp>
+        <p:nvSpPr>
+          <p:cNvPr id="713" name="Google Shape;713;g98a29d3b26_3_2379:notes"/>
+          <p:cNvSpPr>
+            <a:spLocks noGrp="1" noRot="1" noChangeAspect="1"/>
+          </p:cNvSpPr>
+          <p:nvPr>
+            <p:ph type="sldImg" idx="2"/>
+          </p:nvPr>
+        </p:nvSpPr>
+        <p:spPr>
+          <a:xfrm>
+            <a:off x="381000" y="685800"/>
+            <a:ext cx="6096000" cy="3429000"/>
+          </a:xfrm>
+          <a:custGeom>
+            <a:avLst/>
+            <a:gdLst/>
+            <a:ahLst/>
+            <a:cxnLst/>
+            <a:rect l="l" t="t" r="r" b="b"/>
+            <a:pathLst>
+              <a:path w="120000" h="120000" extrusionOk="0">
+                <a:moveTo>
+                  <a:pt x="0" y="0"/>
+                </a:moveTo>
+                <a:lnTo>
+                  <a:pt x="120000" y="0"/>
+                </a:lnTo>
+                <a:lnTo>
+                  <a:pt x="120000" y="120000"/>
+                </a:lnTo>
+                <a:lnTo>
+                  <a:pt x="0" y="120000"/>
+                </a:lnTo>
+                <a:close/>
+              </a:path>
+            </a:pathLst>
+          </a:custGeom>
+        </p:spPr>
+      </p:sp>
+      <p:sp>
+        <p:nvSpPr>
+          <p:cNvPr id="714" name="Google Shape;714;g98a29d3b26_3_2379:notes"/>
+          <p:cNvSpPr txBox="1">
+            <a:spLocks noGrp="1"/>
+          </p:cNvSpPr>
+          <p:nvPr>
+            <p:ph type="body" idx="1"/>
+          </p:nvPr>
+        </p:nvSpPr>
+        <p:spPr>
+          <a:xfrm>
+            <a:off x="685800" y="4343400"/>
+            <a:ext cx="5486400" cy="4114800"/>
+          </a:xfrm>
+          <a:prstGeom prst="rect">
+            <a:avLst/>
+          </a:prstGeom>
+        </p:spPr>
+        <p:txBody>
+          <a:bodyPr spcFirstLastPara="1" wrap="square" lIns="91425" tIns="91425" rIns="91425" bIns="91425" anchor="t" anchorCtr="0">
+            <a:noAutofit/>
+          </a:bodyPr>
+          <a:lstStyle/>
+          <a:p>
+            <a:pPr marL="0" lvl="0" indent="0" algn="l" rtl="0">
+              <a:spcBef>
+                <a:spcPts val="0"/>
+              </a:spcBef>
+              <a:spcAft>
+                <a:spcPts val="0"/>
+              </a:spcAft>
+              <a:buNone/>
+            </a:pPr>
+            <a:endParaRPr dirty="0"/>
+          </a:p>
+        </p:txBody>
+      </p:sp>
+    </p:spTree>
+    <p:extLst>
+      <p:ext uri="{BB962C8B-B14F-4D97-AF65-F5344CB8AC3E}">
         <p14:creationId xmlns:p14="http://schemas.microsoft.com/office/powerpoint/2010/main" val="760172027"/>
       </p:ext>
     </p:extLst>
@@ -1369,7 +1670,7 @@
 </p:notes>
 </file>
 
-<file path=ppt/notesSlides/notesSlide13.xml><?xml version="1.0" encoding="utf-8"?>
+<file path=ppt/notesSlides/notesSlide15.xml><?xml version="1.0" encoding="utf-8"?>
 <p:notes xmlns:a="http://schemas.openxmlformats.org/drawingml/2006/main" xmlns:r="http://schemas.openxmlformats.org/officeDocument/2006/relationships" xmlns:p="http://schemas.openxmlformats.org/presentationml/2006/main" showMasterSp="0" showMasterPhAnim="0">
   <p:cSld>
     <p:spTree>
@@ -1473,7 +1774,7 @@
 </p:notes>
 </file>
 
-<file path=ppt/notesSlides/notesSlide14.xml><?xml version="1.0" encoding="utf-8"?>
+<file path=ppt/notesSlides/notesSlide16.xml><?xml version="1.0" encoding="utf-8"?>
 <p:notes xmlns:a="http://schemas.openxmlformats.org/drawingml/2006/main" xmlns:r="http://schemas.openxmlformats.org/officeDocument/2006/relationships" xmlns:p="http://schemas.openxmlformats.org/presentationml/2006/main" showMasterSp="0" showMasterPhAnim="0">
   <p:cSld>
     <p:spTree>
@@ -2041,11 +2342,11 @@
 </file>
 
 <file path=ppt/notesSlides/notesSlide6.xml><?xml version="1.0" encoding="utf-8"?>
-<p:notes xmlns:a="http://schemas.openxmlformats.org/drawingml/2006/main" xmlns:r="http://schemas.openxmlformats.org/officeDocument/2006/relationships" xmlns:p="http://schemas.openxmlformats.org/presentationml/2006/main" showMasterSp="0" showMasterPhAnim="0">
+<p:notes xmlns:a="http://schemas.openxmlformats.org/drawingml/2006/main" xmlns:r="http://schemas.openxmlformats.org/officeDocument/2006/relationships" xmlns:p="http://schemas.openxmlformats.org/presentationml/2006/main">
   <p:cSld>
     <p:spTree>
       <p:nvGrpSpPr>
-        <p:cNvPr id="1" name="Shape 712"/>
+        <p:cNvPr id="1" name=""/>
         <p:cNvGrpSpPr/>
         <p:nvPr/>
       </p:nvGrpSpPr>
@@ -2059,109 +2360,41 @@
       </p:grpSpPr>
       <p:sp>
         <p:nvSpPr>
-          <p:cNvPr id="713" name="Google Shape;713;g98a29d3b26_3_2379:notes"/>
+          <p:cNvPr id="2" name="Marcador de imagen de diapositiva 1"/>
           <p:cNvSpPr>
             <a:spLocks noGrp="1" noRot="1" noChangeAspect="1"/>
           </p:cNvSpPr>
           <p:nvPr>
-            <p:ph type="sldImg" idx="2"/>
+            <p:ph type="sldImg"/>
           </p:nvPr>
         </p:nvSpPr>
-        <p:spPr>
-          <a:xfrm>
-            <a:off x="381000" y="685800"/>
-            <a:ext cx="6096000" cy="3429000"/>
-          </a:xfrm>
-          <a:custGeom>
-            <a:avLst/>
-            <a:gdLst/>
-            <a:ahLst/>
-            <a:cxnLst/>
-            <a:rect l="l" t="t" r="r" b="b"/>
-            <a:pathLst>
-              <a:path w="120000" h="120000" extrusionOk="0">
-                <a:moveTo>
-                  <a:pt x="0" y="0"/>
-                </a:moveTo>
-                <a:lnTo>
-                  <a:pt x="120000" y="0"/>
-                </a:lnTo>
-                <a:lnTo>
-                  <a:pt x="120000" y="120000"/>
-                </a:lnTo>
-                <a:lnTo>
-                  <a:pt x="0" y="120000"/>
-                </a:lnTo>
-                <a:close/>
-              </a:path>
-            </a:pathLst>
-          </a:custGeom>
-        </p:spPr>
+        <p:spPr/>
       </p:sp>
       <p:sp>
         <p:nvSpPr>
-          <p:cNvPr id="714" name="Google Shape;714;g98a29d3b26_3_2379:notes"/>
-          <p:cNvSpPr txBox="1">
+          <p:cNvPr id="3" name="Marcador de notas 2"/>
+          <p:cNvSpPr>
             <a:spLocks noGrp="1"/>
           </p:cNvSpPr>
           <p:nvPr>
             <p:ph type="body" idx="1"/>
           </p:nvPr>
         </p:nvSpPr>
-        <p:spPr>
-          <a:xfrm>
-            <a:off x="685800" y="4343400"/>
-            <a:ext cx="5486400" cy="4114800"/>
-          </a:xfrm>
-          <a:prstGeom prst="rect">
-            <a:avLst/>
-          </a:prstGeom>
-        </p:spPr>
+        <p:spPr/>
         <p:txBody>
-          <a:bodyPr spcFirstLastPara="1" wrap="square" lIns="91425" tIns="91425" rIns="91425" bIns="91425" anchor="t" anchorCtr="0">
-            <a:noAutofit/>
-          </a:bodyPr>
+          <a:bodyPr/>
           <a:lstStyle/>
           <a:p>
-            <a:pPr marL="0" marR="0" lvl="0" indent="0" algn="l" defTabSz="914400" rtl="0" eaLnBrk="1" fontAlgn="auto" latinLnBrk="0" hangingPunct="1">
-              <a:lnSpc>
-                <a:spcPct val="100000"/>
-              </a:lnSpc>
-              <a:spcBef>
-                <a:spcPts val="0"/>
-              </a:spcBef>
-              <a:spcAft>
-                <a:spcPts val="0"/>
-              </a:spcAft>
-              <a:buClr>
-                <a:srgbClr val="000000"/>
-              </a:buClr>
-              <a:buSzPts val="1100"/>
-              <a:buFont typeface="Arial"/>
-              <a:buNone/>
-              <a:tabLst/>
-              <a:defRPr/>
-            </a:pPr>
-            <a:r>
-              <a:rPr lang="es-EC" dirty="0"/>
-              <a:t>Los números dentro de cada celda representan la cantidad de personas en cada categoría, y los colores nos ayudan a visualizar estas frecuencias, con colores más oscuros indicando mayores cantidades.</a:t>
-            </a:r>
-          </a:p>
-          <a:p>
-            <a:pPr marL="0" lvl="0" indent="0" algn="l" rtl="0">
-              <a:spcBef>
-                <a:spcPts val="0"/>
-              </a:spcBef>
-              <a:spcAft>
-                <a:spcPts val="0"/>
-              </a:spcAft>
-              <a:buNone/>
-            </a:pPr>
-            <a:endParaRPr dirty="0"/>
+            <a:endParaRPr lang="es-EC" dirty="0"/>
           </a:p>
         </p:txBody>
       </p:sp>
     </p:spTree>
+    <p:extLst>
+      <p:ext uri="{BB962C8B-B14F-4D97-AF65-F5344CB8AC3E}">
+        <p14:creationId xmlns:p14="http://schemas.microsoft.com/office/powerpoint/2010/main" val="1822791314"/>
+      </p:ext>
+    </p:extLst>
   </p:cSld>
   <p:clrMapOvr>
     <a:masterClrMapping/>
@@ -2170,11 +2403,11 @@
 </file>
 
 <file path=ppt/notesSlides/notesSlide7.xml><?xml version="1.0" encoding="utf-8"?>
-<p:notes xmlns:a="http://schemas.openxmlformats.org/drawingml/2006/main" xmlns:r="http://schemas.openxmlformats.org/officeDocument/2006/relationships" xmlns:p="http://schemas.openxmlformats.org/presentationml/2006/main" showMasterSp="0" showMasterPhAnim="0">
+<p:notes xmlns:a="http://schemas.openxmlformats.org/drawingml/2006/main" xmlns:r="http://schemas.openxmlformats.org/officeDocument/2006/relationships" xmlns:p="http://schemas.openxmlformats.org/presentationml/2006/main">
   <p:cSld>
     <p:spTree>
       <p:nvGrpSpPr>
-        <p:cNvPr id="1" name="Shape 712"/>
+        <p:cNvPr id="1" name=""/>
         <p:cNvGrpSpPr/>
         <p:nvPr/>
       </p:nvGrpSpPr>
@@ -2188,87 +2421,39 @@
       </p:grpSpPr>
       <p:sp>
         <p:nvSpPr>
-          <p:cNvPr id="713" name="Google Shape;713;g98a29d3b26_3_2379:notes"/>
+          <p:cNvPr id="2" name="Marcador de imagen de diapositiva 1"/>
           <p:cNvSpPr>
             <a:spLocks noGrp="1" noRot="1" noChangeAspect="1"/>
           </p:cNvSpPr>
           <p:nvPr>
-            <p:ph type="sldImg" idx="2"/>
+            <p:ph type="sldImg"/>
           </p:nvPr>
         </p:nvSpPr>
-        <p:spPr>
-          <a:xfrm>
-            <a:off x="381000" y="685800"/>
-            <a:ext cx="6096000" cy="3429000"/>
-          </a:xfrm>
-          <a:custGeom>
-            <a:avLst/>
-            <a:gdLst/>
-            <a:ahLst/>
-            <a:cxnLst/>
-            <a:rect l="l" t="t" r="r" b="b"/>
-            <a:pathLst>
-              <a:path w="120000" h="120000" extrusionOk="0">
-                <a:moveTo>
-                  <a:pt x="0" y="0"/>
-                </a:moveTo>
-                <a:lnTo>
-                  <a:pt x="120000" y="0"/>
-                </a:lnTo>
-                <a:lnTo>
-                  <a:pt x="120000" y="120000"/>
-                </a:lnTo>
-                <a:lnTo>
-                  <a:pt x="0" y="120000"/>
-                </a:lnTo>
-                <a:close/>
-              </a:path>
-            </a:pathLst>
-          </a:custGeom>
-        </p:spPr>
+        <p:spPr/>
       </p:sp>
       <p:sp>
         <p:nvSpPr>
-          <p:cNvPr id="714" name="Google Shape;714;g98a29d3b26_3_2379:notes"/>
-          <p:cNvSpPr txBox="1">
+          <p:cNvPr id="3" name="Marcador de notas 2"/>
+          <p:cNvSpPr>
             <a:spLocks noGrp="1"/>
           </p:cNvSpPr>
           <p:nvPr>
             <p:ph type="body" idx="1"/>
           </p:nvPr>
         </p:nvSpPr>
-        <p:spPr>
-          <a:xfrm>
-            <a:off x="685800" y="4343400"/>
-            <a:ext cx="5486400" cy="4114800"/>
-          </a:xfrm>
-          <a:prstGeom prst="rect">
-            <a:avLst/>
-          </a:prstGeom>
-        </p:spPr>
+        <p:spPr/>
         <p:txBody>
-          <a:bodyPr spcFirstLastPara="1" wrap="square" lIns="91425" tIns="91425" rIns="91425" bIns="91425" anchor="t" anchorCtr="0">
-            <a:noAutofit/>
-          </a:bodyPr>
+          <a:bodyPr/>
           <a:lstStyle/>
           <a:p>
-            <a:pPr marL="0" lvl="0" indent="0" algn="l" rtl="0">
-              <a:spcBef>
-                <a:spcPts val="0"/>
-              </a:spcBef>
-              <a:spcAft>
-                <a:spcPts val="0"/>
-              </a:spcAft>
-              <a:buNone/>
-            </a:pPr>
-            <a:endParaRPr dirty="0"/>
+            <a:endParaRPr lang="es-EC" dirty="0"/>
           </a:p>
         </p:txBody>
       </p:sp>
     </p:spTree>
     <p:extLst>
       <p:ext uri="{BB962C8B-B14F-4D97-AF65-F5344CB8AC3E}">
-        <p14:creationId xmlns:p14="http://schemas.microsoft.com/office/powerpoint/2010/main" val="1849878877"/>
+        <p14:creationId xmlns:p14="http://schemas.microsoft.com/office/powerpoint/2010/main" val="4290201353"/>
       </p:ext>
     </p:extLst>
   </p:cSld>
@@ -2361,6 +2546,31 @@
           </a:bodyPr>
           <a:lstStyle/>
           <a:p>
+            <a:pPr marL="0" marR="0" lvl="0" indent="0" algn="l" defTabSz="914400" rtl="0" eaLnBrk="1" fontAlgn="auto" latinLnBrk="0" hangingPunct="1">
+              <a:lnSpc>
+                <a:spcPct val="100000"/>
+              </a:lnSpc>
+              <a:spcBef>
+                <a:spcPts val="0"/>
+              </a:spcBef>
+              <a:spcAft>
+                <a:spcPts val="0"/>
+              </a:spcAft>
+              <a:buClr>
+                <a:srgbClr val="000000"/>
+              </a:buClr>
+              <a:buSzPts val="1100"/>
+              <a:buFont typeface="Arial"/>
+              <a:buNone/>
+              <a:tabLst/>
+              <a:defRPr/>
+            </a:pPr>
+            <a:r>
+              <a:rPr lang="es-EC" dirty="0"/>
+              <a:t>Los números dentro de cada celda representan la cantidad de personas en cada categoría, y los colores nos ayudan a visualizar estas frecuencias, con colores más oscuros indicando mayores cantidades.</a:t>
+            </a:r>
+          </a:p>
+          <a:p>
             <a:pPr marL="0" lvl="0" indent="0" algn="l" rtl="0">
               <a:spcBef>
                 <a:spcPts val="0"/>
@@ -2370,16 +2580,79 @@
               </a:spcAft>
               <a:buNone/>
             </a:pPr>
-            <a:endParaRPr/>
+            <a:r>
+              <a:rPr lang="en-US" dirty="0" err="1"/>
+              <a:t>Establecidos</a:t>
+            </a:r>
+            <a:r>
+              <a:rPr lang="en-US" dirty="0"/>
+              <a:t>: clients con </a:t>
+            </a:r>
+            <a:r>
+              <a:rPr lang="en-US" dirty="0" err="1"/>
+              <a:t>una</a:t>
+            </a:r>
+            <a:r>
+              <a:rPr lang="en-US" dirty="0"/>
+              <a:t> </a:t>
+            </a:r>
+            <a:r>
+              <a:rPr lang="en-US" dirty="0" err="1"/>
+              <a:t>larga</a:t>
+            </a:r>
+            <a:r>
+              <a:rPr lang="en-US" dirty="0"/>
+              <a:t> </a:t>
+            </a:r>
+            <a:r>
+              <a:rPr lang="en-US" dirty="0" err="1"/>
+              <a:t>relacion</a:t>
+            </a:r>
+            <a:r>
+              <a:rPr lang="en-US" dirty="0"/>
+              <a:t> con la </a:t>
+            </a:r>
+            <a:r>
+              <a:rPr lang="en-US" dirty="0" err="1"/>
+              <a:t>entidad</a:t>
+            </a:r>
+            <a:endParaRPr lang="en-US" dirty="0"/>
+          </a:p>
+          <a:p>
+            <a:pPr marL="0" lvl="0" indent="0" algn="l" rtl="0">
+              <a:spcBef>
+                <a:spcPts val="0"/>
+              </a:spcBef>
+              <a:spcAft>
+                <a:spcPts val="0"/>
+              </a:spcAft>
+              <a:buNone/>
+            </a:pPr>
+            <a:r>
+              <a:rPr lang="en-US" dirty="0"/>
+              <a:t>mid-tern: </a:t>
+            </a:r>
+            <a:r>
+              <a:rPr lang="en-US" dirty="0" err="1"/>
+              <a:t>clientes</a:t>
+            </a:r>
+            <a:r>
+              <a:rPr lang="en-US" dirty="0"/>
+              <a:t> con </a:t>
+            </a:r>
+            <a:r>
+              <a:rPr lang="en-US" dirty="0" err="1"/>
+              <a:t>antiguedad</a:t>
+            </a:r>
+            <a:r>
+              <a:rPr lang="en-US" dirty="0"/>
+              <a:t> intermedia</a:t>
+            </a:r>
+            <a:endParaRPr dirty="0"/>
           </a:p>
         </p:txBody>
       </p:sp>
     </p:spTree>
-    <p:extLst>
-      <p:ext uri="{BB962C8B-B14F-4D97-AF65-F5344CB8AC3E}">
-        <p14:creationId xmlns:p14="http://schemas.microsoft.com/office/powerpoint/2010/main" val="51867596"/>
-      </p:ext>
-    </p:extLst>
   </p:cSld>
   <p:clrMapOvr>
     <a:masterClrMapping/>
@@ -2470,56 +2743,6 @@
           </a:bodyPr>
           <a:lstStyle/>
           <a:p>
-            <a:r>
-              <a:rPr lang="es-EC" dirty="0"/>
-              <a:t>"En esta gráfica estamos viendo la distribución del ratio 'loan/</a:t>
-            </a:r>
-            <a:r>
-              <a:rPr lang="es-EC" dirty="0" err="1"/>
-              <a:t>income</a:t>
-            </a:r>
-            <a:r>
-              <a:rPr lang="es-EC" dirty="0"/>
-              <a:t>' entre nuestros clientes. El ratio 'loan/</a:t>
-            </a:r>
-            <a:r>
-              <a:rPr lang="es-EC" dirty="0" err="1"/>
-              <a:t>income</a:t>
-            </a:r>
-            <a:r>
-              <a:rPr lang="es-EC" dirty="0"/>
-              <a:t>' nos indica el nivel de deuda de un cliente en relación con sus ingresos. En el eje X tenemos los valores del ratio, donde 0 significa que la deuda es muy baja en comparación con los ingresos, y 1 significa que la deuda es igual a los ingresos. En el eje Y tenemos la frecuencia, o el número de clientes, para cada rango de 'loan/</a:t>
-            </a:r>
-            <a:r>
-              <a:rPr lang="es-EC" dirty="0" err="1"/>
-              <a:t>income</a:t>
-            </a:r>
-            <a:r>
-              <a:rPr lang="es-EC" dirty="0"/>
-              <a:t>'.</a:t>
-            </a:r>
-          </a:p>
-          <a:p>
-            <a:r>
-              <a:rPr lang="es-EC" dirty="0"/>
-              <a:t>Podemos observar que la mayoría de nuestros clientes tienen un ratio 'loan/</a:t>
-            </a:r>
-            <a:r>
-              <a:rPr lang="es-EC" dirty="0" err="1"/>
-              <a:t>income</a:t>
-            </a:r>
-            <a:r>
-              <a:rPr lang="es-EC" dirty="0"/>
-              <a:t>' entre 0 y 0.4. Esto sugiere que la mayoría tiene una deuda que es baja en comparación con sus ingresos, lo cual es positivo ya que indica una carga de deuda manejable. La curva de densidad azul nos muestra de manera más suave cómo se distribuyen estos datos, confirmando que la mayoría de los clientes se encuentran en los rangos bajos del ratio.</a:t>
-            </a:r>
-          </a:p>
-          <a:p>
-            <a:r>
-              <a:rPr lang="es-EC" dirty="0"/>
-              <a:t>En términos de riesgo de deuda, esto es una señal positiva, ya que implica que nuestros clientes tienen una buena capacidad para manejar sus deudas en relación con sus ingresos. Esta información es crucial para nuestras estrategias de planificación financiera y evaluación de riesgos de crédito."</a:t>
-            </a:r>
-          </a:p>
-          <a:p>
             <a:pPr marL="0" lvl="0" indent="0" algn="l" rtl="0">
               <a:spcBef>
                 <a:spcPts val="0"/>
@@ -2536,7 +2759,7 @@
     </p:spTree>
     <p:extLst>
       <p:ext uri="{BB962C8B-B14F-4D97-AF65-F5344CB8AC3E}">
-        <p14:creationId xmlns:p14="http://schemas.microsoft.com/office/powerpoint/2010/main" val="3621152585"/>
+        <p14:creationId xmlns:p14="http://schemas.microsoft.com/office/powerpoint/2010/main" val="51867596"/>
       </p:ext>
     </p:extLst>
   </p:cSld>
@@ -8037,6 +8260,532 @@
         </p:nvSpPr>
         <p:spPr>
           <a:xfrm>
+            <a:off x="341111" y="1386114"/>
+            <a:ext cx="2307746" cy="3270749"/>
+          </a:xfrm>
+          <a:prstGeom prst="rect">
+            <a:avLst/>
+          </a:prstGeom>
+          <a:noFill/>
+          <a:ln>
+            <a:noFill/>
+          </a:ln>
+        </p:spPr>
+        <p:txBody>
+          <a:bodyPr spcFirstLastPara="1" wrap="square" lIns="91425" tIns="91425" rIns="91425" bIns="91425" anchor="ctr" anchorCtr="0">
+            <a:noAutofit/>
+          </a:bodyPr>
+          <a:lstStyle/>
+          <a:p>
+            <a:pPr marL="171450" lvl="0" indent="-171450" rtl="0">
+              <a:spcBef>
+                <a:spcPts val="0"/>
+              </a:spcBef>
+              <a:spcAft>
+                <a:spcPts val="0"/>
+              </a:spcAft>
+              <a:buClr>
+                <a:srgbClr val="000000"/>
+              </a:buClr>
+              <a:buSzPts val="1100"/>
+              <a:buFont typeface="Wingdings" panose="05000000000000000000" pitchFamily="2" charset="2"/>
+              <a:buChar char="Ø"/>
+            </a:pPr>
+            <a:r>
+              <a:rPr lang="es-EC" sz="1200" b="0" i="0" dirty="0">
+                <a:solidFill>
+                  <a:srgbClr val="000000"/>
+                </a:solidFill>
+                <a:effectLst/>
+                <a:highlight>
+                  <a:srgbClr val="FFFFFF"/>
+                </a:highlight>
+                <a:latin typeface="Helvetica Neue"/>
+              </a:rPr>
+              <a:t>Categoría basada en el nivel de ingresos del cliente</a:t>
+            </a:r>
+          </a:p>
+          <a:p>
+            <a:pPr marL="171450" lvl="0" indent="-171450" rtl="0">
+              <a:spcBef>
+                <a:spcPts val="0"/>
+              </a:spcBef>
+              <a:spcAft>
+                <a:spcPts val="0"/>
+              </a:spcAft>
+              <a:buClr>
+                <a:srgbClr val="000000"/>
+              </a:buClr>
+              <a:buSzPts val="1100"/>
+              <a:buFont typeface="Wingdings" panose="05000000000000000000" pitchFamily="2" charset="2"/>
+              <a:buChar char="Ø"/>
+            </a:pPr>
+            <a:endParaRPr lang="es-EC" sz="1200" b="0" i="0" dirty="0">
+              <a:solidFill>
+                <a:srgbClr val="000000"/>
+              </a:solidFill>
+              <a:effectLst/>
+              <a:highlight>
+                <a:srgbClr val="FFFFFF"/>
+              </a:highlight>
+              <a:latin typeface="Helvetica Neue"/>
+            </a:endParaRPr>
+          </a:p>
+          <a:p>
+            <a:pPr marL="171450" lvl="0" indent="-171450" rtl="0">
+              <a:spcBef>
+                <a:spcPts val="0"/>
+              </a:spcBef>
+              <a:spcAft>
+                <a:spcPts val="0"/>
+              </a:spcAft>
+              <a:buClr>
+                <a:srgbClr val="000000"/>
+              </a:buClr>
+              <a:buSzPts val="1100"/>
+              <a:buFont typeface="Wingdings" panose="05000000000000000000" pitchFamily="2" charset="2"/>
+              <a:buChar char="Ø"/>
+            </a:pPr>
+            <a:r>
+              <a:rPr lang="es-EC" sz="1200" b="0" i="0" dirty="0">
+                <a:solidFill>
+                  <a:srgbClr val="000000"/>
+                </a:solidFill>
+                <a:effectLst/>
+                <a:highlight>
+                  <a:srgbClr val="FFFFFF"/>
+                </a:highlight>
+                <a:latin typeface="Helvetica Neue"/>
+              </a:rPr>
+              <a:t>Se empleará para determinar un promedio de ingresos y hacer más sencilla la evaluación de la ratio loan/</a:t>
+            </a:r>
+            <a:r>
+              <a:rPr lang="es-EC" sz="1200" b="0" i="0" dirty="0" err="1">
+                <a:solidFill>
+                  <a:srgbClr val="000000"/>
+                </a:solidFill>
+                <a:effectLst/>
+                <a:highlight>
+                  <a:srgbClr val="FFFFFF"/>
+                </a:highlight>
+                <a:latin typeface="Helvetica Neue"/>
+              </a:rPr>
+              <a:t>income</a:t>
+            </a:r>
+            <a:endParaRPr lang="es-EC" sz="1200" dirty="0">
+              <a:highlight>
+                <a:srgbClr val="FFFFFF"/>
+              </a:highlight>
+              <a:latin typeface="Helvetica Neue"/>
+            </a:endParaRPr>
+          </a:p>
+        </p:txBody>
+      </p:sp>
+      <p:sp>
+        <p:nvSpPr>
+          <p:cNvPr id="722" name="Google Shape;722;p34"/>
+          <p:cNvSpPr txBox="1"/>
+          <p:nvPr/>
+        </p:nvSpPr>
+        <p:spPr>
+          <a:xfrm>
+            <a:off x="3504261" y="978581"/>
+            <a:ext cx="2135427" cy="294900"/>
+          </a:xfrm>
+          <a:prstGeom prst="rect">
+            <a:avLst/>
+          </a:prstGeom>
+          <a:noFill/>
+          <a:ln>
+            <a:noFill/>
+          </a:ln>
+        </p:spPr>
+        <p:txBody>
+          <a:bodyPr spcFirstLastPara="1" wrap="square" lIns="91425" tIns="91425" rIns="91425" bIns="91425" anchor="ctr" anchorCtr="0">
+            <a:noAutofit/>
+          </a:bodyPr>
+          <a:lstStyle/>
+          <a:p>
+            <a:pPr marL="0" lvl="0" indent="0" algn="ctr" rtl="0">
+              <a:spcBef>
+                <a:spcPts val="0"/>
+              </a:spcBef>
+              <a:spcAft>
+                <a:spcPts val="0"/>
+              </a:spcAft>
+              <a:buClr>
+                <a:schemeClr val="dk1"/>
+              </a:buClr>
+              <a:buSzPts val="1100"/>
+              <a:buFont typeface="Arial"/>
+              <a:buNone/>
+            </a:pPr>
+            <a:r>
+              <a:rPr lang="es-EC" sz="1700" dirty="0">
+                <a:solidFill>
+                  <a:schemeClr val="accent1"/>
+                </a:solidFill>
+                <a:latin typeface="Fira Sans Extra Condensed Medium"/>
+                <a:ea typeface="Fira Sans Extra Condensed Medium"/>
+                <a:cs typeface="Fira Sans Extra Condensed Medium"/>
+                <a:sym typeface="Fira Sans Extra Condensed Medium"/>
+              </a:rPr>
+              <a:t>Social </a:t>
+            </a:r>
+            <a:r>
+              <a:rPr lang="es-EC" sz="1700" dirty="0" err="1">
+                <a:solidFill>
+                  <a:schemeClr val="accent1"/>
+                </a:solidFill>
+                <a:latin typeface="Fira Sans Extra Condensed Medium"/>
+                <a:ea typeface="Fira Sans Extra Condensed Medium"/>
+                <a:cs typeface="Fira Sans Extra Condensed Medium"/>
+                <a:sym typeface="Fira Sans Extra Condensed Medium"/>
+              </a:rPr>
+              <a:t>Class</a:t>
+            </a:r>
+            <a:endParaRPr lang="es-EC" sz="1700" dirty="0">
+              <a:solidFill>
+                <a:schemeClr val="accent1"/>
+              </a:solidFill>
+              <a:latin typeface="Fira Sans Extra Condensed Medium"/>
+              <a:ea typeface="Fira Sans Extra Condensed Medium"/>
+              <a:cs typeface="Fira Sans Extra Condensed Medium"/>
+              <a:sym typeface="Fira Sans Extra Condensed Medium"/>
+            </a:endParaRPr>
+          </a:p>
+          <a:p>
+            <a:pPr marL="0" lvl="0" indent="0" algn="ctr" rtl="0">
+              <a:spcBef>
+                <a:spcPts val="0"/>
+              </a:spcBef>
+              <a:spcAft>
+                <a:spcPts val="0"/>
+              </a:spcAft>
+              <a:buNone/>
+            </a:pPr>
+            <a:endParaRPr lang="es-EC" sz="1700" dirty="0">
+              <a:solidFill>
+                <a:schemeClr val="accent1"/>
+              </a:solidFill>
+              <a:latin typeface="Fira Sans Extra Condensed Medium"/>
+              <a:ea typeface="Fira Sans Extra Condensed Medium"/>
+              <a:cs typeface="Fira Sans Extra Condensed Medium"/>
+              <a:sym typeface="Fira Sans Extra Condensed Medium"/>
+            </a:endParaRPr>
+          </a:p>
+        </p:txBody>
+      </p:sp>
+      <p:pic>
+        <p:nvPicPr>
+          <p:cNvPr id="4" name="Imagen 3">
+            <a:extLst>
+              <a:ext uri="{FF2B5EF4-FFF2-40B4-BE49-F238E27FC236}">
+                <a16:creationId xmlns:a16="http://schemas.microsoft.com/office/drawing/2014/main" id="{A299E982-A5D7-EFA7-CC2B-7D8E9DE743CD}"/>
+              </a:ext>
+            </a:extLst>
+          </p:cNvPr>
+          <p:cNvPicPr>
+            <a:picLocks noChangeAspect="1"/>
+          </p:cNvPicPr>
+          <p:nvPr/>
+        </p:nvPicPr>
+        <p:blipFill>
+          <a:blip r:embed="rId3"/>
+          <a:stretch>
+            <a:fillRect/>
+          </a:stretch>
+        </p:blipFill>
+        <p:spPr>
+          <a:xfrm>
+            <a:off x="2953239" y="1273481"/>
+            <a:ext cx="5166634" cy="3316527"/>
+          </a:xfrm>
+          <a:prstGeom prst="rect">
+            <a:avLst/>
+          </a:prstGeom>
+        </p:spPr>
+      </p:pic>
+      <p:sp>
+        <p:nvSpPr>
+          <p:cNvPr id="3" name="CuadroTexto 2">
+            <a:extLst>
+              <a:ext uri="{FF2B5EF4-FFF2-40B4-BE49-F238E27FC236}">
+                <a16:creationId xmlns:a16="http://schemas.microsoft.com/office/drawing/2014/main" id="{EC0ECC3B-77EB-6B62-C3B0-269ACA388307}"/>
+              </a:ext>
+            </a:extLst>
+          </p:cNvPr>
+          <p:cNvSpPr txBox="1"/>
+          <p:nvPr/>
+        </p:nvSpPr>
+        <p:spPr>
+          <a:xfrm>
+            <a:off x="3504261" y="4631484"/>
+            <a:ext cx="5298628" cy="261610"/>
+          </a:xfrm>
+          <a:prstGeom prst="rect">
+            <a:avLst/>
+          </a:prstGeom>
+          <a:noFill/>
+        </p:spPr>
+        <p:txBody>
+          <a:bodyPr wrap="square">
+            <a:spAutoFit/>
+          </a:bodyPr>
+          <a:lstStyle/>
+          <a:p>
+            <a:r>
+              <a:rPr lang="es-EC" sz="1100" b="0" dirty="0">
+                <a:solidFill>
+                  <a:srgbClr val="000000"/>
+                </a:solidFill>
+                <a:effectLst/>
+                <a:highlight>
+                  <a:srgbClr val="F7F7F7"/>
+                </a:highlight>
+                <a:latin typeface="Courier New" panose="02070309020205020404" pitchFamily="49" charset="0"/>
+              </a:rPr>
+              <a:t>Ingresos Anuales: [</a:t>
+            </a:r>
+            <a:r>
+              <a:rPr lang="es-EC" sz="1100" b="0" dirty="0">
+                <a:solidFill>
+                  <a:srgbClr val="116644"/>
+                </a:solidFill>
+                <a:effectLst/>
+                <a:highlight>
+                  <a:srgbClr val="F7F7F7"/>
+                </a:highlight>
+                <a:latin typeface="Courier New" panose="02070309020205020404" pitchFamily="49" charset="0"/>
+              </a:rPr>
+              <a:t>-1</a:t>
+            </a:r>
+            <a:r>
+              <a:rPr lang="es-EC" sz="1100" b="0" dirty="0">
+                <a:solidFill>
+                  <a:srgbClr val="000000"/>
+                </a:solidFill>
+                <a:effectLst/>
+                <a:highlight>
+                  <a:srgbClr val="F7F7F7"/>
+                </a:highlight>
+                <a:latin typeface="Courier New" panose="02070309020205020404" pitchFamily="49" charset="0"/>
+              </a:rPr>
+              <a:t>,</a:t>
+            </a:r>
+            <a:r>
+              <a:rPr lang="es-EC" sz="1100" b="0" dirty="0">
+                <a:solidFill>
+                  <a:srgbClr val="116644"/>
+                </a:solidFill>
+                <a:effectLst/>
+                <a:highlight>
+                  <a:srgbClr val="F7F7F7"/>
+                </a:highlight>
+                <a:latin typeface="Courier New" panose="02070309020205020404" pitchFamily="49" charset="0"/>
+              </a:rPr>
+              <a:t>13000</a:t>
+            </a:r>
+            <a:r>
+              <a:rPr lang="es-EC" sz="1100" b="0" dirty="0">
+                <a:solidFill>
+                  <a:srgbClr val="000000"/>
+                </a:solidFill>
+                <a:effectLst/>
+                <a:highlight>
+                  <a:srgbClr val="F7F7F7"/>
+                </a:highlight>
+                <a:latin typeface="Courier New" panose="02070309020205020404" pitchFamily="49" charset="0"/>
+              </a:rPr>
+              <a:t>,</a:t>
+            </a:r>
+            <a:r>
+              <a:rPr lang="es-EC" sz="1100" b="0" dirty="0">
+                <a:solidFill>
+                  <a:srgbClr val="116644"/>
+                </a:solidFill>
+                <a:effectLst/>
+                <a:highlight>
+                  <a:srgbClr val="F7F7F7"/>
+                </a:highlight>
+                <a:latin typeface="Courier New" panose="02070309020205020404" pitchFamily="49" charset="0"/>
+              </a:rPr>
+              <a:t>35000</a:t>
+            </a:r>
+            <a:r>
+              <a:rPr lang="es-EC" sz="1100" b="0" dirty="0">
+                <a:solidFill>
+                  <a:srgbClr val="000000"/>
+                </a:solidFill>
+                <a:effectLst/>
+                <a:highlight>
+                  <a:srgbClr val="F7F7F7"/>
+                </a:highlight>
+                <a:latin typeface="Courier New" panose="02070309020205020404" pitchFamily="49" charset="0"/>
+              </a:rPr>
+              <a:t>,</a:t>
+            </a:r>
+            <a:r>
+              <a:rPr lang="es-EC" sz="1100" b="0" dirty="0">
+                <a:solidFill>
+                  <a:srgbClr val="116644"/>
+                </a:solidFill>
+                <a:effectLst/>
+                <a:highlight>
+                  <a:srgbClr val="F7F7F7"/>
+                </a:highlight>
+                <a:latin typeface="Courier New" panose="02070309020205020404" pitchFamily="49" charset="0"/>
+              </a:rPr>
+              <a:t>65000</a:t>
+            </a:r>
+            <a:r>
+              <a:rPr lang="es-EC" sz="1100" b="0" dirty="0">
+                <a:solidFill>
+                  <a:srgbClr val="000000"/>
+                </a:solidFill>
+                <a:effectLst/>
+                <a:highlight>
+                  <a:srgbClr val="F7F7F7"/>
+                </a:highlight>
+                <a:latin typeface="Courier New" panose="02070309020205020404" pitchFamily="49" charset="0"/>
+              </a:rPr>
+              <a:t>,</a:t>
+            </a:r>
+            <a:r>
+              <a:rPr lang="es-EC" sz="1100" b="0" dirty="0">
+                <a:solidFill>
+                  <a:srgbClr val="116644"/>
+                </a:solidFill>
+                <a:effectLst/>
+                <a:highlight>
+                  <a:srgbClr val="F7F7F7"/>
+                </a:highlight>
+                <a:latin typeface="Courier New" panose="02070309020205020404" pitchFamily="49" charset="0"/>
+              </a:rPr>
+              <a:t>130000</a:t>
+            </a:r>
+            <a:r>
+              <a:rPr lang="es-EC" sz="1100" b="0" dirty="0">
+                <a:solidFill>
+                  <a:srgbClr val="000000"/>
+                </a:solidFill>
+                <a:effectLst/>
+                <a:highlight>
+                  <a:srgbClr val="F7F7F7"/>
+                </a:highlight>
+                <a:latin typeface="Courier New" panose="02070309020205020404" pitchFamily="49" charset="0"/>
+              </a:rPr>
+              <a:t>,</a:t>
+            </a:r>
+            <a:r>
+              <a:rPr lang="es-EC" sz="1100" b="0" dirty="0">
+                <a:solidFill>
+                  <a:srgbClr val="116644"/>
+                </a:solidFill>
+                <a:effectLst/>
+                <a:highlight>
+                  <a:srgbClr val="F7F7F7"/>
+                </a:highlight>
+                <a:latin typeface="Courier New" panose="02070309020205020404" pitchFamily="49" charset="0"/>
+              </a:rPr>
+              <a:t>110000000</a:t>
+            </a:r>
+            <a:r>
+              <a:rPr lang="es-EC" sz="1100" b="0" dirty="0">
+                <a:solidFill>
+                  <a:srgbClr val="000000"/>
+                </a:solidFill>
+                <a:effectLst/>
+                <a:highlight>
+                  <a:srgbClr val="F7F7F7"/>
+                </a:highlight>
+                <a:latin typeface="Courier New" panose="02070309020205020404" pitchFamily="49" charset="0"/>
+              </a:rPr>
+              <a:t>]</a:t>
+            </a:r>
+          </a:p>
+        </p:txBody>
+      </p:sp>
+    </p:spTree>
+    <p:extLst>
+      <p:ext uri="{BB962C8B-B14F-4D97-AF65-F5344CB8AC3E}">
+        <p14:creationId xmlns:p14="http://schemas.microsoft.com/office/powerpoint/2010/main" val="3229920838"/>
+      </p:ext>
+    </p:extLst>
+  </p:cSld>
+  <p:clrMapOvr>
+    <a:masterClrMapping/>
+  </p:clrMapOvr>
+</p:sld>
+</file>
+
+<file path=ppt/slides/slide11.xml><?xml version="1.0" encoding="utf-8"?>
+<p:sld xmlns:a="http://schemas.openxmlformats.org/drawingml/2006/main" xmlns:r="http://schemas.openxmlformats.org/officeDocument/2006/relationships" xmlns:p="http://schemas.openxmlformats.org/presentationml/2006/main">
+  <p:cSld>
+    <p:spTree>
+      <p:nvGrpSpPr>
+        <p:cNvPr id="1" name="Shape 715"/>
+        <p:cNvGrpSpPr/>
+        <p:nvPr/>
+      </p:nvGrpSpPr>
+      <p:grpSpPr>
+        <a:xfrm>
+          <a:off x="0" y="0"/>
+          <a:ext cx="0" cy="0"/>
+          <a:chOff x="0" y="0"/>
+          <a:chExt cx="0" cy="0"/>
+        </a:xfrm>
+      </p:grpSpPr>
+      <p:sp>
+        <p:nvSpPr>
+          <p:cNvPr id="716" name="Google Shape;716;p34"/>
+          <p:cNvSpPr txBox="1">
+            <a:spLocks noGrp="1"/>
+          </p:cNvSpPr>
+          <p:nvPr>
+            <p:ph type="title"/>
+          </p:nvPr>
+        </p:nvSpPr>
+        <p:spPr>
+          <a:xfrm>
+            <a:off x="457225" y="409575"/>
+            <a:ext cx="8229600" cy="321000"/>
+          </a:xfrm>
+          <a:prstGeom prst="rect">
+            <a:avLst/>
+          </a:prstGeom>
+        </p:spPr>
+        <p:txBody>
+          <a:bodyPr spcFirstLastPara="1" wrap="square" lIns="91425" tIns="91425" rIns="91425" bIns="91425" anchor="ctr" anchorCtr="0">
+            <a:noAutofit/>
+          </a:bodyPr>
+          <a:lstStyle/>
+          <a:p>
+            <a:pPr marL="0" lvl="0" indent="0" algn="ctr" rtl="0">
+              <a:spcBef>
+                <a:spcPts val="0"/>
+              </a:spcBef>
+              <a:spcAft>
+                <a:spcPts val="0"/>
+              </a:spcAft>
+              <a:buNone/>
+            </a:pPr>
+            <a:r>
+              <a:rPr lang="en" dirty="0"/>
+              <a:t>Analisis Descriptivo</a:t>
+            </a:r>
+            <a:endParaRPr dirty="0"/>
+          </a:p>
+        </p:txBody>
+      </p:sp>
+      <p:sp>
+        <p:nvSpPr>
+          <p:cNvPr id="721" name="Google Shape;721;p34"/>
+          <p:cNvSpPr txBox="1"/>
+          <p:nvPr/>
+        </p:nvSpPr>
+        <p:spPr>
+          <a:xfrm>
             <a:off x="186534" y="730575"/>
             <a:ext cx="2776122" cy="3915022"/>
           </a:xfrm>
@@ -8069,6 +8818,15 @@
               <a:buChar char="Ø"/>
             </a:pPr>
             <a:r>
+              <a:rPr lang="es-EC" sz="1200" dirty="0">
+                <a:highlight>
+                  <a:srgbClr val="FFFFFF"/>
+                </a:highlight>
+                <a:latin typeface="Helvetica Neue"/>
+              </a:rPr>
+              <a:t>V</a:t>
+            </a:r>
+            <a:r>
               <a:rPr lang="es-EC" sz="1200" b="0" i="0" dirty="0">
                 <a:solidFill>
                   <a:srgbClr val="000000"/>
@@ -8079,7 +8837,7 @@
                 </a:highlight>
                 <a:latin typeface="Helvetica Neue"/>
               </a:rPr>
-              <a:t>verificar nivel de deuda respecto a ingresos del cliente</a:t>
+              <a:t>erificar nivel de deuda respecto a ingresos del cliente</a:t>
             </a:r>
           </a:p>
           <a:p>
@@ -8333,13 +9091,106 @@
         <p:spPr>
           <a:xfrm>
             <a:off x="3243943" y="1151663"/>
-            <a:ext cx="5232400" cy="3915022"/>
+            <a:ext cx="4693049" cy="3511465"/>
           </a:xfrm>
           <a:prstGeom prst="rect">
             <a:avLst/>
           </a:prstGeom>
         </p:spPr>
       </p:pic>
+      <p:sp>
+        <p:nvSpPr>
+          <p:cNvPr id="4" name="CuadroTexto 3">
+            <a:extLst>
+              <a:ext uri="{FF2B5EF4-FFF2-40B4-BE49-F238E27FC236}">
+                <a16:creationId xmlns:a16="http://schemas.microsoft.com/office/drawing/2014/main" id="{6AC13645-7E45-74B9-D02A-C22AAB4CD0D3}"/>
+              </a:ext>
+            </a:extLst>
+          </p:cNvPr>
+          <p:cNvSpPr txBox="1"/>
+          <p:nvPr/>
+        </p:nvSpPr>
+        <p:spPr>
+          <a:xfrm>
+            <a:off x="4023360" y="4725328"/>
+            <a:ext cx="4572000" cy="276999"/>
+          </a:xfrm>
+          <a:prstGeom prst="rect">
+            <a:avLst/>
+          </a:prstGeom>
+          <a:noFill/>
+        </p:spPr>
+        <p:txBody>
+          <a:bodyPr wrap="square">
+            <a:spAutoFit/>
+          </a:bodyPr>
+          <a:lstStyle/>
+          <a:p>
+            <a:r>
+              <a:rPr lang="en-US" sz="1200" b="0" dirty="0">
+                <a:solidFill>
+                  <a:srgbClr val="000000"/>
+                </a:solidFill>
+                <a:effectLst/>
+                <a:highlight>
+                  <a:srgbClr val="F7F7F7"/>
+                </a:highlight>
+                <a:latin typeface="Courier New" panose="02070309020205020404" pitchFamily="49" charset="0"/>
+              </a:rPr>
+              <a:t>Monto Total / </a:t>
+            </a:r>
+            <a:r>
+              <a:rPr lang="en-US" sz="1200" b="0" dirty="0" err="1">
+                <a:solidFill>
+                  <a:srgbClr val="000000"/>
+                </a:solidFill>
+                <a:effectLst/>
+                <a:highlight>
+                  <a:srgbClr val="F7F7F7"/>
+                </a:highlight>
+                <a:latin typeface="Courier New" panose="02070309020205020404" pitchFamily="49" charset="0"/>
+              </a:rPr>
+              <a:t>Ingreso</a:t>
+            </a:r>
+            <a:r>
+              <a:rPr lang="en-US" sz="1200" b="0" dirty="0">
+                <a:solidFill>
+                  <a:srgbClr val="000000"/>
+                </a:solidFill>
+                <a:effectLst/>
+                <a:highlight>
+                  <a:srgbClr val="F7F7F7"/>
+                </a:highlight>
+                <a:latin typeface="Courier New" panose="02070309020205020404" pitchFamily="49" charset="0"/>
+              </a:rPr>
+              <a:t> </a:t>
+            </a:r>
+            <a:r>
+              <a:rPr lang="en-US" sz="1200" b="0" dirty="0" err="1">
+                <a:solidFill>
+                  <a:srgbClr val="000000"/>
+                </a:solidFill>
+                <a:effectLst/>
+                <a:highlight>
+                  <a:srgbClr val="F7F7F7"/>
+                </a:highlight>
+                <a:latin typeface="Courier New" panose="02070309020205020404" pitchFamily="49" charset="0"/>
+              </a:rPr>
+              <a:t>Anuales</a:t>
+            </a:r>
+            <a:endParaRPr lang="en-US" sz="1200" b="0" dirty="0">
+              <a:solidFill>
+                <a:srgbClr val="000000"/>
+              </a:solidFill>
+              <a:effectLst/>
+              <a:highlight>
+                <a:srgbClr val="F7F7F7"/>
+              </a:highlight>
+              <a:latin typeface="Courier New" panose="02070309020205020404" pitchFamily="49" charset="0"/>
+            </a:endParaRPr>
+          </a:p>
+        </p:txBody>
+      </p:sp>
     </p:spTree>
     <p:extLst>
       <p:ext uri="{BB962C8B-B14F-4D97-AF65-F5344CB8AC3E}">
@@ -8353,7 +9204,265 @@
 </p:sld>
 </file>
 
-<file path=ppt/slides/slide11.xml><?xml version="1.0" encoding="utf-8"?>
+<file path=ppt/slides/slide12.xml><?xml version="1.0" encoding="utf-8"?>
+<p:sld xmlns:a="http://schemas.openxmlformats.org/drawingml/2006/main" xmlns:r="http://schemas.openxmlformats.org/officeDocument/2006/relationships" xmlns:p="http://schemas.openxmlformats.org/presentationml/2006/main">
+  <p:cSld>
+    <p:spTree>
+      <p:nvGrpSpPr>
+        <p:cNvPr id="1" name="Shape 715"/>
+        <p:cNvGrpSpPr/>
+        <p:nvPr/>
+      </p:nvGrpSpPr>
+      <p:grpSpPr>
+        <a:xfrm>
+          <a:off x="0" y="0"/>
+          <a:ext cx="0" cy="0"/>
+          <a:chOff x="0" y="0"/>
+          <a:chExt cx="0" cy="0"/>
+        </a:xfrm>
+      </p:grpSpPr>
+      <p:sp>
+        <p:nvSpPr>
+          <p:cNvPr id="716" name="Google Shape;716;p34"/>
+          <p:cNvSpPr txBox="1">
+            <a:spLocks noGrp="1"/>
+          </p:cNvSpPr>
+          <p:nvPr>
+            <p:ph type="title"/>
+          </p:nvPr>
+        </p:nvSpPr>
+        <p:spPr>
+          <a:xfrm>
+            <a:off x="457225" y="409575"/>
+            <a:ext cx="8229600" cy="321000"/>
+          </a:xfrm>
+          <a:prstGeom prst="rect">
+            <a:avLst/>
+          </a:prstGeom>
+        </p:spPr>
+        <p:txBody>
+          <a:bodyPr spcFirstLastPara="1" wrap="square" lIns="91425" tIns="91425" rIns="91425" bIns="91425" anchor="ctr" anchorCtr="0">
+            <a:noAutofit/>
+          </a:bodyPr>
+          <a:lstStyle/>
+          <a:p>
+            <a:pPr marL="0" lvl="0" indent="0" algn="ctr" rtl="0">
+              <a:spcBef>
+                <a:spcPts val="0"/>
+              </a:spcBef>
+              <a:spcAft>
+                <a:spcPts val="0"/>
+              </a:spcAft>
+              <a:buNone/>
+            </a:pPr>
+            <a:r>
+              <a:rPr lang="en" dirty="0"/>
+              <a:t>Analisis Descriptivo</a:t>
+            </a:r>
+            <a:endParaRPr dirty="0"/>
+          </a:p>
+        </p:txBody>
+      </p:sp>
+      <p:sp>
+        <p:nvSpPr>
+          <p:cNvPr id="721" name="Google Shape;721;p34"/>
+          <p:cNvSpPr txBox="1"/>
+          <p:nvPr/>
+        </p:nvSpPr>
+        <p:spPr>
+          <a:xfrm>
+            <a:off x="354370" y="1521486"/>
+            <a:ext cx="3458678" cy="3004793"/>
+          </a:xfrm>
+          <a:prstGeom prst="rect">
+            <a:avLst/>
+          </a:prstGeom>
+          <a:noFill/>
+          <a:ln>
+            <a:noFill/>
+          </a:ln>
+        </p:spPr>
+        <p:txBody>
+          <a:bodyPr spcFirstLastPara="1" wrap="square" lIns="91425" tIns="91425" rIns="91425" bIns="91425" anchor="ctr" anchorCtr="0">
+            <a:noAutofit/>
+          </a:bodyPr>
+          <a:lstStyle/>
+          <a:p>
+            <a:r>
+              <a:rPr lang="es-EC" sz="1050" b="1" dirty="0"/>
+              <a:t>Variables de Correlación:</a:t>
+            </a:r>
+          </a:p>
+          <a:p>
+            <a:endParaRPr lang="es-EC" sz="1050" dirty="0"/>
+          </a:p>
+          <a:p>
+            <a:r>
+              <a:rPr lang="es-EC" sz="1050" dirty="0" err="1"/>
+              <a:t>Recoveries</a:t>
+            </a:r>
+            <a:r>
+              <a:rPr lang="es-EC" sz="1050" dirty="0"/>
+              <a:t> (Monto Recuperado)</a:t>
+            </a:r>
+          </a:p>
+          <a:p>
+            <a:r>
+              <a:rPr lang="es-EC" sz="1050" dirty="0" err="1"/>
+              <a:t>collection_recovery_fee</a:t>
+            </a:r>
+            <a:r>
+              <a:rPr lang="es-EC" sz="1050" dirty="0"/>
+              <a:t> (</a:t>
+            </a:r>
+            <a:r>
+              <a:rPr lang="es-EC" sz="1050" dirty="0" err="1"/>
+              <a:t>Comision</a:t>
+            </a:r>
+            <a:r>
+              <a:rPr lang="es-EC" sz="1050" dirty="0"/>
+              <a:t> por Recuperación)</a:t>
+            </a:r>
+          </a:p>
+          <a:p>
+            <a:endParaRPr lang="es-EC" sz="1050" dirty="0"/>
+          </a:p>
+          <a:p>
+            <a:r>
+              <a:rPr lang="es-EC" sz="1050" b="1" dirty="0"/>
+              <a:t>Conclusión:</a:t>
+            </a:r>
+          </a:p>
+          <a:p>
+            <a:endParaRPr lang="es-EC" sz="1050" dirty="0"/>
+          </a:p>
+          <a:p>
+            <a:r>
+              <a:rPr lang="es-EC" sz="1050" dirty="0"/>
+              <a:t>Las comisiones se basan en un porcentaje de lo recuperado. Esto confirma que es un método válido, pero también subraya la necesidad de revisar regularmente cuán justas y efectivas son estas comisiones para asegurarnos de que son razonables y funcionan como deberían.</a:t>
+            </a:r>
+            <a:endParaRPr lang="es-EC" sz="900" dirty="0"/>
+          </a:p>
+        </p:txBody>
+      </p:sp>
+      <p:sp>
+        <p:nvSpPr>
+          <p:cNvPr id="722" name="Google Shape;722;p34"/>
+          <p:cNvSpPr txBox="1"/>
+          <p:nvPr/>
+        </p:nvSpPr>
+        <p:spPr>
+          <a:xfrm>
+            <a:off x="3504261" y="978581"/>
+            <a:ext cx="2135427" cy="294900"/>
+          </a:xfrm>
+          <a:prstGeom prst="rect">
+            <a:avLst/>
+          </a:prstGeom>
+          <a:noFill/>
+          <a:ln>
+            <a:noFill/>
+          </a:ln>
+        </p:spPr>
+        <p:txBody>
+          <a:bodyPr spcFirstLastPara="1" wrap="square" lIns="91425" tIns="91425" rIns="91425" bIns="91425" anchor="ctr" anchorCtr="0">
+            <a:noAutofit/>
+          </a:bodyPr>
+          <a:lstStyle/>
+          <a:p>
+            <a:pPr marL="0" lvl="0" indent="0" algn="ctr" rtl="0">
+              <a:spcBef>
+                <a:spcPts val="0"/>
+              </a:spcBef>
+              <a:spcAft>
+                <a:spcPts val="0"/>
+              </a:spcAft>
+              <a:buClr>
+                <a:schemeClr val="dk1"/>
+              </a:buClr>
+              <a:buSzPts val="1100"/>
+              <a:buFont typeface="Arial"/>
+              <a:buNone/>
+            </a:pPr>
+            <a:r>
+              <a:rPr lang="es-EC" sz="1700" dirty="0">
+                <a:solidFill>
+                  <a:schemeClr val="accent1"/>
+                </a:solidFill>
+                <a:latin typeface="Fira Sans Extra Condensed Medium"/>
+                <a:ea typeface="Fira Sans Extra Condensed Medium"/>
+                <a:cs typeface="Fira Sans Extra Condensed Medium"/>
+                <a:sym typeface="Fira Sans Extra Condensed Medium"/>
+              </a:rPr>
+              <a:t>Correlación</a:t>
+            </a:r>
+          </a:p>
+          <a:p>
+            <a:pPr marL="0" lvl="0" indent="0" algn="ctr" rtl="0">
+              <a:spcBef>
+                <a:spcPts val="0"/>
+              </a:spcBef>
+              <a:spcAft>
+                <a:spcPts val="0"/>
+              </a:spcAft>
+              <a:buNone/>
+            </a:pPr>
+            <a:endParaRPr lang="es-EC" sz="1700" dirty="0">
+              <a:solidFill>
+                <a:schemeClr val="accent1"/>
+              </a:solidFill>
+              <a:latin typeface="Fira Sans Extra Condensed Medium"/>
+              <a:ea typeface="Fira Sans Extra Condensed Medium"/>
+              <a:cs typeface="Fira Sans Extra Condensed Medium"/>
+              <a:sym typeface="Fira Sans Extra Condensed Medium"/>
+            </a:endParaRPr>
+          </a:p>
+        </p:txBody>
+      </p:sp>
+      <p:pic>
+        <p:nvPicPr>
+          <p:cNvPr id="3" name="Imagen 2">
+            <a:extLst>
+              <a:ext uri="{FF2B5EF4-FFF2-40B4-BE49-F238E27FC236}">
+                <a16:creationId xmlns:a16="http://schemas.microsoft.com/office/drawing/2014/main" id="{90714706-9E16-3193-22EA-5B1AD604988F}"/>
+              </a:ext>
+            </a:extLst>
+          </p:cNvPr>
+          <p:cNvPicPr>
+            <a:picLocks noChangeAspect="1"/>
+          </p:cNvPicPr>
+          <p:nvPr/>
+        </p:nvPicPr>
+        <p:blipFill>
+          <a:blip r:embed="rId3"/>
+          <a:stretch>
+            <a:fillRect/>
+          </a:stretch>
+        </p:blipFill>
+        <p:spPr>
+          <a:xfrm>
+            <a:off x="3721608" y="1273481"/>
+            <a:ext cx="5068022" cy="3698748"/>
+          </a:xfrm>
+          <a:prstGeom prst="rect">
+            <a:avLst/>
+          </a:prstGeom>
+        </p:spPr>
+      </p:pic>
+    </p:spTree>
+    <p:extLst>
+      <p:ext uri="{BB962C8B-B14F-4D97-AF65-F5344CB8AC3E}">
+        <p14:creationId xmlns:p14="http://schemas.microsoft.com/office/powerpoint/2010/main" val="4272157552"/>
+      </p:ext>
+    </p:extLst>
+  </p:cSld>
+  <p:clrMapOvr>
+    <a:masterClrMapping/>
+  </p:clrMapOvr>
+</p:sld>
+</file>
+
+<file path=ppt/slides/slide13.xml><?xml version="1.0" encoding="utf-8"?>
 <p:sld xmlns:a="http://schemas.openxmlformats.org/drawingml/2006/main" xmlns:r="http://schemas.openxmlformats.org/officeDocument/2006/relationships" xmlns:p="http://schemas.openxmlformats.org/presentationml/2006/main">
   <p:cSld>
     <p:spTree>
@@ -8634,7 +9743,7 @@
 </p:sld>
 </file>
 
-<file path=ppt/slides/slide12.xml><?xml version="1.0" encoding="utf-8"?>
+<file path=ppt/slides/slide14.xml><?xml version="1.0" encoding="utf-8"?>
 <p:sld xmlns:a="http://schemas.openxmlformats.org/drawingml/2006/main" xmlns:r="http://schemas.openxmlformats.org/officeDocument/2006/relationships" xmlns:p="http://schemas.openxmlformats.org/presentationml/2006/main">
   <p:cSld>
     <p:spTree>
@@ -8734,7 +9843,7 @@
             </a:pPr>
             <a:r>
               <a:rPr lang="es-EC" sz="1200" i="1" dirty="0"/>
-              <a:t>¿Existen estados específicos donde los índices de incumplimiento son notoriamente mayores? </a:t>
+              <a:t>¿Existen condados específicos donde los índices de incumplimiento son notoriamente mayores? </a:t>
             </a:r>
           </a:p>
           <a:p>
@@ -8779,7 +9888,7 @@
                 </a:highlight>
                 <a:latin typeface="Helvetica Neue"/>
               </a:rPr>
-              <a:t>Algunos estados muestran un número significativamente mayor de malos pagadores que otros. Por ejemplo, ciertos estados como CA y NY tienen barras mucho más altas, lo que indica una mayor cantidad de malos pagadores en esos estados.</a:t>
+              <a:t>Algunos condados muestran un número significativamente mayor de malos pagadores que otros. Por ejemplo, ciertos estados como CA y NY tienen barras mucho más altas, lo que indica una mayor cantidad de malos pagadores en esos estados.</a:t>
             </a:r>
           </a:p>
           <a:p>
@@ -8935,7 +10044,7 @@
 </p:sld>
 </file>
 
-<file path=ppt/slides/slide13.xml><?xml version="1.0" encoding="utf-8"?>
+<file path=ppt/slides/slide15.xml><?xml version="1.0" encoding="utf-8"?>
 <p:sld xmlns:a="http://schemas.openxmlformats.org/drawingml/2006/main" xmlns:r="http://schemas.openxmlformats.org/officeDocument/2006/relationships" xmlns:p="http://schemas.openxmlformats.org/presentationml/2006/main">
   <p:cSld>
     <p:spTree>
@@ -9040,7 +10149,54 @@
                 </a:highlight>
                 <a:latin typeface="Helvetica Neue"/>
               </a:rPr>
-              <a:t>Mayor riesgo potencial en préstamos verificados: El hecho de que los préstamos verificados tengan montos más altos y una amplia dispersión puede indicar un mayor riesgo financiero asumido por la entidad crediticia, presumiblemente bajo la suposición de que la verificación de ingresos reduce el riesgo de incumplimiento.</a:t>
+              <a:t>Mayor riesgo potencial en préstamos verificados: </a:t>
+            </a:r>
+          </a:p>
+          <a:p>
+            <a:pPr marL="171450" lvl="0" indent="-171450" rtl="0">
+              <a:spcBef>
+                <a:spcPts val="0"/>
+              </a:spcBef>
+              <a:spcAft>
+                <a:spcPts val="0"/>
+              </a:spcAft>
+              <a:buClr>
+                <a:srgbClr val="000000"/>
+              </a:buClr>
+              <a:buSzPts val="1100"/>
+              <a:buFont typeface="Wingdings" panose="05000000000000000000" pitchFamily="2" charset="2"/>
+              <a:buChar char="Ø"/>
+            </a:pPr>
+            <a:endParaRPr lang="es-EC" sz="1200" dirty="0">
+              <a:highlight>
+                <a:srgbClr val="FFFFFF"/>
+              </a:highlight>
+              <a:latin typeface="Helvetica Neue"/>
+            </a:endParaRPr>
+          </a:p>
+          <a:p>
+            <a:pPr marL="171450" lvl="0" indent="-171450" rtl="0">
+              <a:spcBef>
+                <a:spcPts val="0"/>
+              </a:spcBef>
+              <a:spcAft>
+                <a:spcPts val="0"/>
+              </a:spcAft>
+              <a:buClr>
+                <a:srgbClr val="000000"/>
+              </a:buClr>
+              <a:buSzPts val="1100"/>
+              <a:buFont typeface="Wingdings" panose="05000000000000000000" pitchFamily="2" charset="2"/>
+              <a:buChar char="Ø"/>
+            </a:pPr>
+            <a:r>
+              <a:rPr lang="es-EC" sz="1200" dirty="0">
+                <a:highlight>
+                  <a:srgbClr val="FFFFFF"/>
+                </a:highlight>
+                <a:latin typeface="Helvetica Neue"/>
+              </a:rPr>
+              <a:t>El hecho de que los préstamos verificados tengan montos más altos y una amplia dispersión puede indicar un mayor riesgo financiero asumido por la entidad crediticia, presumiblemente bajo la suposición de que la verificación de ingresos reduce el riesgo de incumplimiento.</a:t>
             </a:r>
           </a:p>
         </p:txBody>
@@ -9142,7 +10298,7 @@
 </p:sld>
 </file>
 
-<file path=ppt/slides/slide14.xml><?xml version="1.0" encoding="utf-8"?>
+<file path=ppt/slides/slide16.xml><?xml version="1.0" encoding="utf-8"?>
 <p:sld xmlns:a="http://schemas.openxmlformats.org/drawingml/2006/main" xmlns:r="http://schemas.openxmlformats.org/officeDocument/2006/relationships" xmlns:p="http://schemas.openxmlformats.org/presentationml/2006/main">
   <p:cSld>
     <p:spTree>
@@ -9294,18 +10450,24 @@
               <a:buNone/>
             </a:pPr>
             <a:r>
-              <a:rPr lang="es-EC" sz="1600" dirty="0"/>
-              <a:t>Nuestro análisis sugiere que ciertas características, como el ingreso anual del prestatario y el monto del préstamo, son indicadores clave de la probabilidad de incumplimiento. Los estados con tasas de incumplimiento más altas pueden requerir estrategias de mitigación específicas.</a:t>
+              <a:rPr lang="es-EC" dirty="0"/>
+              <a:t>Nuestro análisis sugiere que ciertas características, como el ingreso anual del prestatario y el monto del préstamo, son indicadores clave de la probabilidad de incumplimiento.</a:t>
             </a:r>
-            <a:endParaRPr sz="1200" dirty="0">
-              <a:solidFill>
-                <a:schemeClr val="dk1"/>
-              </a:solidFill>
-              <a:latin typeface="Roboto"/>
-              <a:ea typeface="Roboto"/>
-              <a:cs typeface="Roboto"/>
-              <a:sym typeface="Roboto"/>
-            </a:endParaRPr>
+          </a:p>
+          <a:p>
+            <a:pPr marL="0" lvl="0" indent="0" algn="r" rtl="0">
+              <a:spcBef>
+                <a:spcPts val="0"/>
+              </a:spcBef>
+              <a:spcAft>
+                <a:spcPts val="0"/>
+              </a:spcAft>
+              <a:buNone/>
+            </a:pPr>
+            <a:r>
+              <a:rPr lang="es-EC" dirty="0"/>
+              <a:t>Los condados con tasas de incumplimiento más altas pueden requerir estrategias de mitigación específicas.</a:t>
+            </a:r>
           </a:p>
         </p:txBody>
       </p:sp>
@@ -9376,7 +10538,7 @@
         <p:spPr>
           <a:xfrm>
             <a:off x="138184" y="3294563"/>
-            <a:ext cx="7020701" cy="1233079"/>
+            <a:ext cx="7020701" cy="1588333"/>
           </a:xfrm>
           <a:prstGeom prst="rect">
             <a:avLst/>
@@ -9402,9 +10564,54 @@
               <a:buNone/>
             </a:pPr>
             <a:r>
-              <a:rPr lang="es-EC" sz="1600" dirty="0"/>
+              <a:rPr lang="es-EC" sz="1200" dirty="0"/>
               <a:t>Basados en estos hallazgos, recomendamos ajustar nuestros criterios de evaluación de riesgos, especialmente en regiones con altas tasas de incumplimiento. También sugerimos implementar programas de educación financiera para prestatarios en zonas de alto riesgo.</a:t>
             </a:r>
+          </a:p>
+          <a:p>
+            <a:endParaRPr lang="es-EC" sz="1200" dirty="0">
+              <a:solidFill>
+                <a:schemeClr val="dk1"/>
+              </a:solidFill>
+              <a:latin typeface="Roboto"/>
+              <a:ea typeface="Roboto"/>
+              <a:cs typeface="Roboto"/>
+              <a:sym typeface="Roboto"/>
+            </a:endParaRPr>
+          </a:p>
+          <a:p>
+            <a:r>
+              <a:rPr lang="es-EC" sz="1200" dirty="0">
+                <a:solidFill>
+                  <a:schemeClr val="dk1"/>
+                </a:solidFill>
+                <a:latin typeface="Roboto"/>
+                <a:ea typeface="Roboto"/>
+                <a:cs typeface="Roboto"/>
+                <a:sym typeface="Roboto"/>
+              </a:rPr>
+              <a:t>Los clientes con antigüedad intermedio y los que han tenido una larga duración con la entidad deberían incluirse en programa de fidelización y gestión de riesgo ya que tiene una cantidad significativa.</a:t>
+            </a:r>
+            <a:endParaRPr lang="es-EC" sz="1050" dirty="0">
+              <a:solidFill>
+                <a:schemeClr val="dk1"/>
+              </a:solidFill>
+              <a:latin typeface="Roboto"/>
+              <a:ea typeface="Roboto"/>
+              <a:cs typeface="Roboto"/>
+              <a:sym typeface="Roboto"/>
+            </a:endParaRPr>
+          </a:p>
+          <a:p>
+            <a:pPr marL="0" lvl="0" indent="0" rtl="0">
+              <a:spcBef>
+                <a:spcPts val="0"/>
+              </a:spcBef>
+              <a:spcAft>
+                <a:spcPts val="0"/>
+              </a:spcAft>
+              <a:buNone/>
+            </a:pPr>
             <a:endParaRPr sz="1200" dirty="0">
               <a:solidFill>
                 <a:schemeClr val="dk1"/>
@@ -11648,7 +12855,7 @@
 </p:sld>
 </file>
 
-<file path=ppt/slides/slide15.xml><?xml version="1.0" encoding="utf-8"?>
+<file path=ppt/slides/slide17.xml><?xml version="1.0" encoding="utf-8"?>
 <p:sld xmlns:a="http://schemas.openxmlformats.org/drawingml/2006/main" xmlns:r="http://schemas.openxmlformats.org/officeDocument/2006/relationships" xmlns:p="http://schemas.openxmlformats.org/presentationml/2006/main" show="0">
   <p:cSld>
     <p:spTree>
@@ -11742,7 +12949,7 @@
 </p:sld>
 </file>
 
-<file path=ppt/slides/slide16.xml><?xml version="1.0" encoding="utf-8"?>
+<file path=ppt/slides/slide18.xml><?xml version="1.0" encoding="utf-8"?>
 <p:sld xmlns:a="http://schemas.openxmlformats.org/drawingml/2006/main" xmlns:r="http://schemas.openxmlformats.org/officeDocument/2006/relationships" xmlns:p="http://schemas.openxmlformats.org/presentationml/2006/main" show="0">
   <p:cSld>
     <p:spTree>
@@ -15758,7 +16965,7 @@
           </a:bodyPr>
           <a:lstStyle/>
           <a:p>
-            <a:pPr lvl="0" rtl="0">
+            <a:pPr marL="171450" lvl="0" indent="-171450" rtl="0">
               <a:spcBef>
                 <a:spcPts val="0"/>
               </a:spcBef>
@@ -15769,6 +16976,8 @@
                 <a:srgbClr val="000000"/>
               </a:buClr>
               <a:buSzPts val="1100"/>
+              <a:buFont typeface="Arial" panose="020B0604020202020204" pitchFamily="34" charset="0"/>
+              <a:buChar char="•"/>
             </a:pPr>
             <a:r>
               <a:rPr lang="es-EC" sz="1100" i="1" dirty="0">
@@ -15784,32 +16993,21 @@
             </a:r>
           </a:p>
           <a:p>
-            <a:pPr lvl="0" rtl="0">
-              <a:spcBef>
-                <a:spcPts val="0"/>
-              </a:spcBef>
-              <a:spcAft>
-                <a:spcPts val="0"/>
-              </a:spcAft>
-              <a:buClr>
-                <a:srgbClr val="000000"/>
-              </a:buClr>
-              <a:buSzPts val="1100"/>
-            </a:pPr>
-            <a:endParaRPr lang="es-EC" sz="1100" i="1" dirty="0">
-              <a:solidFill>
-                <a:schemeClr val="dk1"/>
-              </a:solidFill>
-              <a:latin typeface="Roboto"/>
-              <a:ea typeface="Roboto"/>
-              <a:cs typeface="Roboto"/>
-              <a:sym typeface="Roboto"/>
-            </a:endParaRPr>
-          </a:p>
-          <a:p>
             <a:pPr lvl="3">
               <a:buSzPts val="1100"/>
             </a:pPr>
+            <a:r>
+              <a:rPr lang="es-EC" sz="1050" dirty="0">
+                <a:solidFill>
+                  <a:schemeClr val="dk1"/>
+                </a:solidFill>
+                <a:latin typeface="Roboto"/>
+                <a:ea typeface="Roboto"/>
+                <a:cs typeface="Roboto"/>
+                <a:sym typeface="Roboto"/>
+              </a:rPr>
+              <a:t>       </a:t>
+            </a:r>
             <a:r>
               <a:rPr lang="es-EC" sz="1050" dirty="0" err="1">
                 <a:solidFill>
@@ -15822,8 +17020,24 @@
               </a:rPr>
               <a:t>id_cliente</a:t>
             </a:r>
+            <a:endParaRPr lang="es-EC" sz="1050" dirty="0">
+              <a:solidFill>
+                <a:schemeClr val="dk1"/>
+              </a:solidFill>
+              <a:latin typeface="Roboto"/>
+              <a:ea typeface="Roboto"/>
+              <a:cs typeface="Roboto"/>
+              <a:sym typeface="Roboto"/>
+            </a:endParaRPr>
+          </a:p>
+          <a:p>
+            <a:pPr marL="171450" lvl="3" indent="-171450">
+              <a:buSzPts val="1100"/>
+              <a:buFont typeface="Arial" panose="020B0604020202020204" pitchFamily="34" charset="0"/>
+              <a:buChar char="•"/>
+            </a:pPr>
             <a:r>
-              <a:rPr lang="es-EC" sz="1050" dirty="0">
+              <a:rPr lang="es-EC" sz="1050" i="1" dirty="0">
                 <a:solidFill>
                   <a:schemeClr val="dk1"/>
                 </a:solidFill>
@@ -15832,7 +17046,7 @@
                 <a:cs typeface="Roboto"/>
                 <a:sym typeface="Roboto"/>
               </a:rPr>
-              <a:t> = no existen valores duplicados.</a:t>
+              <a:t>Análisis de variables discretas</a:t>
             </a:r>
           </a:p>
           <a:p>
@@ -15850,7 +17064,7 @@
             </a:endParaRPr>
           </a:p>
           <a:p>
-            <a:pPr lvl="0" rtl="0">
+            <a:pPr marL="171450" lvl="0" indent="-171450" rtl="0">
               <a:spcBef>
                 <a:spcPts val="0"/>
               </a:spcBef>
@@ -15861,6 +17075,8 @@
                 <a:srgbClr val="000000"/>
               </a:buClr>
               <a:buSzPts val="1100"/>
+              <a:buFont typeface="Arial" panose="020B0604020202020204" pitchFamily="34" charset="0"/>
+              <a:buChar char="•"/>
             </a:pPr>
             <a:r>
               <a:rPr lang="es-EC" sz="1100" i="1" dirty="0">
@@ -16190,13 +17406,13 @@
           <p:nvPr>
             <p:extLst>
               <p:ext uri="{D42A27DB-BD31-4B8C-83A1-F6EECF244321}">
-                <p14:modId xmlns:p14="http://schemas.microsoft.com/office/powerpoint/2010/main" val="2337001290"/>
+                <p14:modId xmlns:p14="http://schemas.microsoft.com/office/powerpoint/2010/main" val="1138015239"/>
               </p:ext>
             </p:extLst>
           </p:nvPr>
         </p:nvGraphicFramePr>
         <p:xfrm>
-          <a:off x="5278120" y="2926294"/>
+          <a:off x="5352592" y="2816566"/>
           <a:ext cx="1574800" cy="2011680"/>
         </p:xfrm>
         <a:graphic>
@@ -17756,6 +18972,159 @@
           </a:p>
         </p:txBody>
       </p:sp>
+      <mc:AlternateContent xmlns:mc="http://schemas.openxmlformats.org/markup-compatibility/2006">
+        <mc:Choice xmlns:p14="http://schemas.microsoft.com/office/powerpoint/2010/main" Requires="p14">
+          <p:contentPart p14:bwMode="auto" r:id="rId3">
+            <p14:nvContentPartPr>
+              <p14:cNvPr id="2" name="Entrada de lápiz 1">
+                <a:extLst>
+                  <a:ext uri="{FF2B5EF4-FFF2-40B4-BE49-F238E27FC236}">
+                    <a16:creationId xmlns:a16="http://schemas.microsoft.com/office/drawing/2014/main" id="{719780A3-D5C9-CDDD-D70D-10BC407138B3}"/>
+                  </a:ext>
+                </a:extLst>
+              </p14:cNvPr>
+              <p14:cNvContentPartPr/>
+              <p14:nvPr/>
+            </p14:nvContentPartPr>
+            <p14:xfrm>
+              <a:off x="5294376" y="3639024"/>
+              <a:ext cx="360" cy="360"/>
+            </p14:xfrm>
+          </p:contentPart>
+        </mc:Choice>
+        <mc:Fallback>
+          <p:pic>
+            <p:nvPicPr>
+              <p:cNvPr id="2" name="Entrada de lápiz 1">
+                <a:extLst>
+                  <a:ext uri="{FF2B5EF4-FFF2-40B4-BE49-F238E27FC236}">
+                    <a16:creationId xmlns:a16="http://schemas.microsoft.com/office/drawing/2014/main" id="{719780A3-D5C9-CDDD-D70D-10BC407138B3}"/>
+                  </a:ext>
+                </a:extLst>
+              </p:cNvPr>
+              <p:cNvPicPr/>
+              <p:nvPr/>
+            </p:nvPicPr>
+            <p:blipFill>
+              <a:blip r:embed="rId4"/>
+              <a:stretch>
+                <a:fillRect/>
+              </a:stretch>
+            </p:blipFill>
+            <p:spPr>
+              <a:xfrm>
+                <a:off x="5240376" y="3531024"/>
+                <a:ext cx="108000" cy="216000"/>
+              </a:xfrm>
+              <a:prstGeom prst="rect">
+                <a:avLst/>
+              </a:prstGeom>
+            </p:spPr>
+          </p:pic>
+        </mc:Fallback>
+      </mc:AlternateContent>
+      <mc:AlternateContent xmlns:mc="http://schemas.openxmlformats.org/markup-compatibility/2006">
+        <mc:Choice xmlns:p14="http://schemas.microsoft.com/office/powerpoint/2010/main" Requires="p14">
+          <p:contentPart p14:bwMode="auto" r:id="rId5">
+            <p14:nvContentPartPr>
+              <p14:cNvPr id="8" name="Entrada de lápiz 7">
+                <a:extLst>
+                  <a:ext uri="{FF2B5EF4-FFF2-40B4-BE49-F238E27FC236}">
+                    <a16:creationId xmlns:a16="http://schemas.microsoft.com/office/drawing/2014/main" id="{A23E3511-C6BB-D307-4276-4DE49751843B}"/>
+                  </a:ext>
+                </a:extLst>
+              </p14:cNvPr>
+              <p14:cNvContentPartPr/>
+              <p14:nvPr/>
+            </p14:nvContentPartPr>
+            <p14:xfrm>
+              <a:off x="5275656" y="3849264"/>
+              <a:ext cx="360" cy="360"/>
+            </p14:xfrm>
+          </p:contentPart>
+        </mc:Choice>
+        <mc:Fallback>
+          <p:pic>
+            <p:nvPicPr>
+              <p:cNvPr id="8" name="Entrada de lápiz 7">
+                <a:extLst>
+                  <a:ext uri="{FF2B5EF4-FFF2-40B4-BE49-F238E27FC236}">
+                    <a16:creationId xmlns:a16="http://schemas.microsoft.com/office/drawing/2014/main" id="{A23E3511-C6BB-D307-4276-4DE49751843B}"/>
+                  </a:ext>
+                </a:extLst>
+              </p:cNvPr>
+              <p:cNvPicPr/>
+              <p:nvPr/>
+            </p:nvPicPr>
+            <p:blipFill>
+              <a:blip r:embed="rId4"/>
+              <a:stretch>
+                <a:fillRect/>
+              </a:stretch>
+            </p:blipFill>
+            <p:spPr>
+              <a:xfrm>
+                <a:off x="5221656" y="3741624"/>
+                <a:ext cx="108000" cy="216000"/>
+              </a:xfrm>
+              <a:prstGeom prst="rect">
+                <a:avLst/>
+              </a:prstGeom>
+            </p:spPr>
+          </p:pic>
+        </mc:Fallback>
+      </mc:AlternateContent>
+      <mc:AlternateContent xmlns:mc="http://schemas.openxmlformats.org/markup-compatibility/2006">
+        <mc:Choice xmlns:p14="http://schemas.microsoft.com/office/powerpoint/2010/main" Requires="p14">
+          <p:contentPart p14:bwMode="auto" r:id="rId6">
+            <p14:nvContentPartPr>
+              <p14:cNvPr id="9" name="Entrada de lápiz 8">
+                <a:extLst>
+                  <a:ext uri="{FF2B5EF4-FFF2-40B4-BE49-F238E27FC236}">
+                    <a16:creationId xmlns:a16="http://schemas.microsoft.com/office/drawing/2014/main" id="{42C88E84-53C5-B593-87EE-8CA2DDA887FA}"/>
+                  </a:ext>
+                </a:extLst>
+              </p14:cNvPr>
+              <p14:cNvContentPartPr/>
+              <p14:nvPr/>
+            </p14:nvContentPartPr>
+            <p14:xfrm>
+              <a:off x="5294376" y="3090384"/>
+              <a:ext cx="360" cy="360"/>
+            </p14:xfrm>
+          </p:contentPart>
+        </mc:Choice>
+        <mc:Fallback>
+          <p:pic>
+            <p:nvPicPr>
+              <p:cNvPr id="9" name="Entrada de lápiz 8">
+                <a:extLst>
+                  <a:ext uri="{FF2B5EF4-FFF2-40B4-BE49-F238E27FC236}">
+                    <a16:creationId xmlns:a16="http://schemas.microsoft.com/office/drawing/2014/main" id="{42C88E84-53C5-B593-87EE-8CA2DDA887FA}"/>
+                  </a:ext>
+                </a:extLst>
+              </p:cNvPr>
+              <p:cNvPicPr/>
+              <p:nvPr/>
+            </p:nvPicPr>
+            <p:blipFill>
+              <a:blip r:embed="rId4"/>
+              <a:stretch>
+                <a:fillRect/>
+              </a:stretch>
+            </p:blipFill>
+            <p:spPr>
+              <a:xfrm>
+                <a:off x="5240376" y="2982384"/>
+                <a:ext cx="108000" cy="216000"/>
+              </a:xfrm>
+              <a:prstGeom prst="rect">
+                <a:avLst/>
+              </a:prstGeom>
+            </p:spPr>
+          </p:pic>
+        </mc:Fallback>
+      </mc:AlternateContent>
     </p:spTree>
   </p:cSld>
   <p:clrMapOvr>
@@ -20541,7 +21910,7 @@
                 <a:cs typeface="Fira Sans Extra Condensed Medium"/>
                 <a:sym typeface="Fira Sans Extra Condensed Medium"/>
               </a:rPr>
-              <a:t>RECORD DE PAGO</a:t>
+              <a:t>RECORD DE ATRASO</a:t>
             </a:r>
             <a:endParaRPr sz="800" dirty="0">
               <a:latin typeface="Fira Sans Extra Condensed Medium"/>
@@ -21901,7 +23270,7 @@
         </p:nvSpPr>
         <p:spPr>
           <a:xfrm>
-            <a:off x="6698418" y="970056"/>
+            <a:off x="493407" y="3626674"/>
             <a:ext cx="1661100" cy="838684"/>
           </a:xfrm>
           <a:prstGeom prst="rect">
@@ -22023,7 +23392,7 @@
           <p:nvPr/>
         </p:nvPicPr>
         <p:blipFill>
-          <a:blip r:embed="rId2"/>
+          <a:blip r:embed="rId3"/>
           <a:stretch>
             <a:fillRect/>
           </a:stretch>
@@ -22053,15 +23422,15 @@
           <p:nvPr/>
         </p:nvPicPr>
         <p:blipFill>
-          <a:blip r:embed="rId3"/>
+          <a:blip r:embed="rId4"/>
           <a:stretch>
             <a:fillRect/>
           </a:stretch>
         </p:blipFill>
         <p:spPr>
           <a:xfrm>
-            <a:off x="853128" y="2679310"/>
-            <a:ext cx="1120336" cy="329796"/>
+            <a:off x="634074" y="3842933"/>
+            <a:ext cx="1379766" cy="406165"/>
           </a:xfrm>
           <a:prstGeom prst="rect">
             <a:avLst/>
@@ -22174,36 +23543,6 @@
           <p:nvPr/>
         </p:nvPicPr>
         <p:blipFill>
-          <a:blip r:embed="rId4"/>
-          <a:stretch>
-            <a:fillRect/>
-          </a:stretch>
-        </p:blipFill>
-        <p:spPr>
-          <a:xfrm>
-            <a:off x="242803" y="3045151"/>
-            <a:ext cx="2355271" cy="1786646"/>
-          </a:xfrm>
-          <a:prstGeom prst="rect">
-            <a:avLst/>
-          </a:prstGeom>
-        </p:spPr>
-      </p:pic>
-      <p:pic>
-        <p:nvPicPr>
-          <p:cNvPr id="16" name="Picture 15">
-            <a:extLst>
-              <a:ext uri="{FF2B5EF4-FFF2-40B4-BE49-F238E27FC236}">
-                <a16:creationId xmlns:a16="http://schemas.microsoft.com/office/drawing/2014/main" id="{C3AC4B69-1787-235D-EFB8-2D81AB54D377}"/>
-              </a:ext>
-            </a:extLst>
-          </p:cNvPr>
-          <p:cNvPicPr>
-            <a:picLocks noChangeAspect="1"/>
-          </p:cNvPicPr>
-          <p:nvPr/>
-        </p:nvPicPr>
-        <p:blipFill>
           <a:blip r:embed="rId5"/>
           <a:stretch>
             <a:fillRect/>
@@ -22211,291 +23550,14 @@
         </p:blipFill>
         <p:spPr>
           <a:xfrm>
-            <a:off x="3030312" y="2679310"/>
-            <a:ext cx="2791566" cy="2220065"/>
+            <a:off x="3492417" y="816221"/>
+            <a:ext cx="5040260" cy="3823407"/>
           </a:xfrm>
           <a:prstGeom prst="rect">
             <a:avLst/>
           </a:prstGeom>
         </p:spPr>
       </p:pic>
-      <p:sp>
-        <p:nvSpPr>
-          <p:cNvPr id="17" name="TextBox 16">
-            <a:extLst>
-              <a:ext uri="{FF2B5EF4-FFF2-40B4-BE49-F238E27FC236}">
-                <a16:creationId xmlns:a16="http://schemas.microsoft.com/office/drawing/2014/main" id="{89C11C2E-B549-91AB-AD9D-312BC35DF281}"/>
-              </a:ext>
-            </a:extLst>
-          </p:cNvPr>
-          <p:cNvSpPr txBox="1"/>
-          <p:nvPr/>
-        </p:nvSpPr>
-        <p:spPr>
-          <a:xfrm>
-            <a:off x="3410464" y="2003019"/>
-            <a:ext cx="2323072" cy="307777"/>
-          </a:xfrm>
-          <a:prstGeom prst="rect">
-            <a:avLst/>
-          </a:prstGeom>
-          <a:noFill/>
-        </p:spPr>
-        <p:txBody>
-          <a:bodyPr wrap="none" rtlCol="0">
-            <a:spAutoFit/>
-          </a:bodyPr>
-          <a:lstStyle/>
-          <a:p>
-            <a:r>
-              <a:rPr lang="es-EC" dirty="0"/>
-              <a:t>Meses desde último atraso</a:t>
-            </a:r>
-            <a:endParaRPr lang="es-EC" sz="700" dirty="0">
-              <a:highlight>
-                <a:srgbClr val="FF0000"/>
-              </a:highlight>
-            </a:endParaRPr>
-          </a:p>
-        </p:txBody>
-      </p:sp>
-      <p:pic>
-        <p:nvPicPr>
-          <p:cNvPr id="19" name="Picture 18">
-            <a:extLst>
-              <a:ext uri="{FF2B5EF4-FFF2-40B4-BE49-F238E27FC236}">
-                <a16:creationId xmlns:a16="http://schemas.microsoft.com/office/drawing/2014/main" id="{CF02B28C-6D11-8EBA-EC6F-093BBBBCC2B2}"/>
-              </a:ext>
-            </a:extLst>
-          </p:cNvPr>
-          <p:cNvPicPr>
-            <a:picLocks noChangeAspect="1"/>
-          </p:cNvPicPr>
-          <p:nvPr/>
-        </p:nvPicPr>
-        <p:blipFill>
-          <a:blip r:embed="rId6"/>
-          <a:stretch>
-            <a:fillRect/>
-          </a:stretch>
-        </p:blipFill>
-        <p:spPr>
-          <a:xfrm>
-            <a:off x="6205430" y="2741154"/>
-            <a:ext cx="2647080" cy="2125419"/>
-          </a:xfrm>
-          <a:prstGeom prst="rect">
-            <a:avLst/>
-          </a:prstGeom>
-        </p:spPr>
-      </p:pic>
-      <p:sp>
-        <p:nvSpPr>
-          <p:cNvPr id="20" name="TextBox 19">
-            <a:extLst>
-              <a:ext uri="{FF2B5EF4-FFF2-40B4-BE49-F238E27FC236}">
-                <a16:creationId xmlns:a16="http://schemas.microsoft.com/office/drawing/2014/main" id="{EE5FDDAB-84D1-072B-CE65-3F7193D8401F}"/>
-              </a:ext>
-            </a:extLst>
-          </p:cNvPr>
-          <p:cNvSpPr txBox="1"/>
-          <p:nvPr/>
-        </p:nvSpPr>
-        <p:spPr>
-          <a:xfrm>
-            <a:off x="6477239" y="1973119"/>
-            <a:ext cx="2103461" cy="307777"/>
-          </a:xfrm>
-          <a:prstGeom prst="rect">
-            <a:avLst/>
-          </a:prstGeom>
-          <a:noFill/>
-        </p:spPr>
-        <p:txBody>
-          <a:bodyPr wrap="none" rtlCol="0">
-            <a:spAutoFit/>
-          </a:bodyPr>
-          <a:lstStyle/>
-          <a:p>
-            <a:r>
-              <a:rPr lang="es-EC" dirty="0"/>
-              <a:t>Récord atrasos (2 años)</a:t>
-            </a:r>
-            <a:endParaRPr lang="es-EC" sz="700" dirty="0">
-              <a:highlight>
-                <a:srgbClr val="FF0000"/>
-              </a:highlight>
-            </a:endParaRPr>
-          </a:p>
-        </p:txBody>
-      </p:sp>
-      <p:pic>
-        <p:nvPicPr>
-          <p:cNvPr id="22" name="Picture 21">
-            <a:extLst>
-              <a:ext uri="{FF2B5EF4-FFF2-40B4-BE49-F238E27FC236}">
-                <a16:creationId xmlns:a16="http://schemas.microsoft.com/office/drawing/2014/main" id="{B6A2F300-4A01-6A3B-9B18-033A60F8FE45}"/>
-              </a:ext>
-            </a:extLst>
-          </p:cNvPr>
-          <p:cNvPicPr>
-            <a:picLocks noChangeAspect="1"/>
-          </p:cNvPicPr>
-          <p:nvPr/>
-        </p:nvPicPr>
-        <p:blipFill>
-          <a:blip r:embed="rId7"/>
-          <a:stretch>
-            <a:fillRect/>
-          </a:stretch>
-        </p:blipFill>
-        <p:spPr>
-          <a:xfrm>
-            <a:off x="6968800" y="1165479"/>
-            <a:ext cx="1120337" cy="439469"/>
-          </a:xfrm>
-          <a:prstGeom prst="rect">
-            <a:avLst/>
-          </a:prstGeom>
-        </p:spPr>
-      </p:pic>
-      <p:sp>
-        <p:nvSpPr>
-          <p:cNvPr id="4" name="Google Shape;1099;p43">
-            <a:extLst>
-              <a:ext uri="{FF2B5EF4-FFF2-40B4-BE49-F238E27FC236}">
-                <a16:creationId xmlns:a16="http://schemas.microsoft.com/office/drawing/2014/main" id="{38EBBE3F-C006-2B0F-9E7D-A961CC7940C0}"/>
-              </a:ext>
-            </a:extLst>
-          </p:cNvPr>
-          <p:cNvSpPr/>
-          <p:nvPr/>
-        </p:nvSpPr>
-        <p:spPr>
-          <a:xfrm rot="5400000">
-            <a:off x="4478289" y="26493"/>
-            <a:ext cx="547014" cy="2682665"/>
-          </a:xfrm>
-          <a:custGeom>
-            <a:avLst/>
-            <a:gdLst/>
-            <a:ahLst/>
-            <a:cxnLst/>
-            <a:rect l="l" t="t" r="r" b="b"/>
-            <a:pathLst>
-              <a:path w="24485" h="34359" extrusionOk="0">
-                <a:moveTo>
-                  <a:pt x="12243" y="1"/>
-                </a:moveTo>
-                <a:lnTo>
-                  <a:pt x="1" y="7339"/>
-                </a:lnTo>
-                <a:lnTo>
-                  <a:pt x="1" y="34359"/>
-                </a:lnTo>
-                <a:lnTo>
-                  <a:pt x="24485" y="34359"/>
-                </a:lnTo>
-                <a:lnTo>
-                  <a:pt x="24485" y="7339"/>
-                </a:lnTo>
-                <a:lnTo>
-                  <a:pt x="12243" y="1"/>
-                </a:lnTo>
-                <a:close/>
-              </a:path>
-            </a:pathLst>
-          </a:custGeom>
-          <a:solidFill>
-            <a:schemeClr val="accent2"/>
-          </a:solidFill>
-          <a:ln>
-            <a:noFill/>
-          </a:ln>
-        </p:spPr>
-        <p:txBody>
-          <a:bodyPr spcFirstLastPara="1" wrap="square" lIns="91425" tIns="91425" rIns="91425" bIns="91425" anchor="ctr" anchorCtr="0">
-            <a:noAutofit/>
-          </a:bodyPr>
-          <a:lstStyle/>
-          <a:p>
-            <a:pPr marL="0" lvl="0" indent="0" algn="l" rtl="0">
-              <a:spcBef>
-                <a:spcPts val="0"/>
-              </a:spcBef>
-              <a:spcAft>
-                <a:spcPts val="0"/>
-              </a:spcAft>
-              <a:buNone/>
-            </a:pPr>
-            <a:endParaRPr/>
-          </a:p>
-        </p:txBody>
-      </p:sp>
-      <p:sp>
-        <p:nvSpPr>
-          <p:cNvPr id="5" name="Google Shape;1100;p43">
-            <a:extLst>
-              <a:ext uri="{FF2B5EF4-FFF2-40B4-BE49-F238E27FC236}">
-                <a16:creationId xmlns:a16="http://schemas.microsoft.com/office/drawing/2014/main" id="{6A8FC950-90AB-49FD-22AA-45A1A7A81647}"/>
-              </a:ext>
-            </a:extLst>
-          </p:cNvPr>
-          <p:cNvSpPr txBox="1"/>
-          <p:nvPr/>
-        </p:nvSpPr>
-        <p:spPr>
-          <a:xfrm>
-            <a:off x="4469571" y="1203337"/>
-            <a:ext cx="820320" cy="401611"/>
-          </a:xfrm>
-          <a:prstGeom prst="rect">
-            <a:avLst/>
-          </a:prstGeom>
-          <a:noFill/>
-          <a:ln>
-            <a:noFill/>
-          </a:ln>
-        </p:spPr>
-        <p:txBody>
-          <a:bodyPr spcFirstLastPara="1" wrap="square" lIns="91425" tIns="91425" rIns="91425" bIns="91425" anchor="ctr" anchorCtr="0">
-            <a:noAutofit/>
-          </a:bodyPr>
-          <a:lstStyle/>
-          <a:p>
-            <a:pPr marL="0" lvl="0" indent="0" algn="l" rtl="0">
-              <a:spcBef>
-                <a:spcPts val="0"/>
-              </a:spcBef>
-              <a:spcAft>
-                <a:spcPts val="0"/>
-              </a:spcAft>
-              <a:buNone/>
-            </a:pPr>
-            <a:r>
-              <a:rPr lang="en" sz="3100" dirty="0">
-                <a:solidFill>
-                  <a:schemeClr val="lt1"/>
-                </a:solidFill>
-                <a:latin typeface="Bebas Neue"/>
-                <a:ea typeface="Bebas Neue"/>
-                <a:cs typeface="Bebas Neue"/>
-                <a:sym typeface="Bebas Neue"/>
-              </a:rPr>
-              <a:t>17%</a:t>
-            </a:r>
-            <a:endParaRPr sz="3100" dirty="0">
-              <a:solidFill>
-                <a:schemeClr val="lt1"/>
-              </a:solidFill>
-              <a:latin typeface="Bebas Neue"/>
-              <a:ea typeface="Bebas Neue"/>
-              <a:cs typeface="Bebas Neue"/>
-              <a:sym typeface="Bebas Neue"/>
-            </a:endParaRPr>
-          </a:p>
-        </p:txBody>
-      </p:sp>
       <p:grpSp>
         <p:nvGrpSpPr>
           <p:cNvPr id="6" name="Google Shape;1107;p43">
@@ -22894,6 +23956,180 @@
           </p:txBody>
         </p:sp>
       </p:grpSp>
+      <p:sp>
+        <p:nvSpPr>
+          <p:cNvPr id="3" name="Google Shape;463;p26">
+            <a:extLst>
+              <a:ext uri="{FF2B5EF4-FFF2-40B4-BE49-F238E27FC236}">
+                <a16:creationId xmlns:a16="http://schemas.microsoft.com/office/drawing/2014/main" id="{24DA1856-432F-0E5E-CD7D-01A8B90AF35D}"/>
+              </a:ext>
+            </a:extLst>
+          </p:cNvPr>
+          <p:cNvSpPr txBox="1"/>
+          <p:nvPr/>
+        </p:nvSpPr>
+        <p:spPr>
+          <a:xfrm>
+            <a:off x="173736" y="2807047"/>
+            <a:ext cx="3263509" cy="810600"/>
+          </a:xfrm>
+          <a:prstGeom prst="rect">
+            <a:avLst/>
+          </a:prstGeom>
+          <a:noFill/>
+          <a:ln>
+            <a:noFill/>
+          </a:ln>
+        </p:spPr>
+        <p:txBody>
+          <a:bodyPr spcFirstLastPara="1" wrap="square" lIns="91425" tIns="91425" rIns="91425" bIns="91425" anchor="ctr" anchorCtr="0">
+            <a:noAutofit/>
+          </a:bodyPr>
+          <a:lstStyle/>
+          <a:p>
+            <a:pPr marL="0" lvl="0" indent="0" algn="l" rtl="0">
+              <a:spcBef>
+                <a:spcPts val="0"/>
+              </a:spcBef>
+              <a:spcAft>
+                <a:spcPts val="0"/>
+              </a:spcAft>
+              <a:buNone/>
+            </a:pPr>
+            <a:r>
+              <a:rPr lang="es-EC" sz="1100" dirty="0">
+                <a:solidFill>
+                  <a:schemeClr val="dk1"/>
+                </a:solidFill>
+                <a:latin typeface="Roboto"/>
+                <a:ea typeface="Roboto"/>
+                <a:cs typeface="Roboto"/>
+                <a:sym typeface="Roboto"/>
+              </a:rPr>
+              <a:t>Creo función que clasifique estos estados en riesgo alto o bajo</a:t>
+            </a:r>
+          </a:p>
+        </p:txBody>
+      </p:sp>
+      <p:sp>
+        <p:nvSpPr>
+          <p:cNvPr id="18" name="CuadroTexto 17">
+            <a:extLst>
+              <a:ext uri="{FF2B5EF4-FFF2-40B4-BE49-F238E27FC236}">
+                <a16:creationId xmlns:a16="http://schemas.microsoft.com/office/drawing/2014/main" id="{2423FCB5-0B92-551F-6B02-B5B258130A32}"/>
+              </a:ext>
+            </a:extLst>
+          </p:cNvPr>
+          <p:cNvSpPr txBox="1"/>
+          <p:nvPr/>
+        </p:nvSpPr>
+        <p:spPr>
+          <a:xfrm>
+            <a:off x="4937760" y="4698738"/>
+            <a:ext cx="4572000" cy="307777"/>
+          </a:xfrm>
+          <a:prstGeom prst="rect">
+            <a:avLst/>
+          </a:prstGeom>
+          <a:noFill/>
+        </p:spPr>
+        <p:txBody>
+          <a:bodyPr wrap="square">
+            <a:spAutoFit/>
+          </a:bodyPr>
+          <a:lstStyle/>
+          <a:p>
+            <a:r>
+              <a:rPr lang="es-EC" b="0" dirty="0">
+                <a:solidFill>
+                  <a:srgbClr val="000000"/>
+                </a:solidFill>
+                <a:effectLst/>
+                <a:highlight>
+                  <a:srgbClr val="F7F7F7"/>
+                </a:highlight>
+                <a:latin typeface="Courier New" panose="02070309020205020404" pitchFamily="49" charset="0"/>
+              </a:rPr>
+              <a:t>riesgo == </a:t>
+            </a:r>
+            <a:r>
+              <a:rPr lang="es-EC" b="0" dirty="0">
+                <a:solidFill>
+                  <a:srgbClr val="A31515"/>
+                </a:solidFill>
+                <a:effectLst/>
+                <a:highlight>
+                  <a:srgbClr val="F7F7F7"/>
+                </a:highlight>
+                <a:latin typeface="Courier New" panose="02070309020205020404" pitchFamily="49" charset="0"/>
+              </a:rPr>
+              <a:t>'</a:t>
+            </a:r>
+            <a:r>
+              <a:rPr lang="es-EC" b="0" dirty="0" err="1">
+                <a:solidFill>
+                  <a:srgbClr val="A31515"/>
+                </a:solidFill>
+                <a:effectLst/>
+                <a:highlight>
+                  <a:srgbClr val="F7F7F7"/>
+                </a:highlight>
+                <a:latin typeface="Courier New" panose="02070309020205020404" pitchFamily="49" charset="0"/>
+              </a:rPr>
+              <a:t>high</a:t>
+            </a:r>
+            <a:r>
+              <a:rPr lang="es-EC" b="0" dirty="0">
+                <a:solidFill>
+                  <a:srgbClr val="A31515"/>
+                </a:solidFill>
+                <a:effectLst/>
+                <a:highlight>
+                  <a:srgbClr val="F7F7F7"/>
+                </a:highlight>
+                <a:latin typeface="Courier New" panose="02070309020205020404" pitchFamily="49" charset="0"/>
+              </a:rPr>
+              <a:t> </a:t>
+            </a:r>
+            <a:r>
+              <a:rPr lang="es-EC" b="0" dirty="0" err="1">
+                <a:solidFill>
+                  <a:srgbClr val="A31515"/>
+                </a:solidFill>
+                <a:effectLst/>
+                <a:highlight>
+                  <a:srgbClr val="F7F7F7"/>
+                </a:highlight>
+                <a:latin typeface="Courier New" panose="02070309020205020404" pitchFamily="49" charset="0"/>
+              </a:rPr>
+              <a:t>risk</a:t>
+            </a:r>
+            <a:r>
+              <a:rPr lang="es-EC" b="0" dirty="0">
+                <a:solidFill>
+                  <a:srgbClr val="A31515"/>
+                </a:solidFill>
+                <a:effectLst/>
+                <a:highlight>
+                  <a:srgbClr val="F7F7F7"/>
+                </a:highlight>
+                <a:latin typeface="Courier New" panose="02070309020205020404" pitchFamily="49" charset="0"/>
+              </a:rPr>
+              <a:t>’</a:t>
+            </a:r>
+            <a:endParaRPr lang="es-EC" b="0" dirty="0">
+              <a:solidFill>
+                <a:srgbClr val="000000"/>
+              </a:solidFill>
+              <a:effectLst/>
+              <a:highlight>
+                <a:srgbClr val="F7F7F7"/>
+              </a:highlight>
+              <a:latin typeface="Courier New" panose="02070309020205020404" pitchFamily="49" charset="0"/>
+            </a:endParaRPr>
+          </a:p>
+        </p:txBody>
+      </p:sp>
     </p:spTree>
     <p:extLst>
       <p:ext uri="{BB962C8B-B14F-4D97-AF65-F5344CB8AC3E}">
@@ -22908,6 +24144,1074 @@
 </file>
 
 <file path=ppt/slides/slide7.xml><?xml version="1.0" encoding="utf-8"?>
+<p:sld xmlns:a="http://schemas.openxmlformats.org/drawingml/2006/main" xmlns:r="http://schemas.openxmlformats.org/officeDocument/2006/relationships" xmlns:p="http://schemas.openxmlformats.org/presentationml/2006/main">
+  <p:cSld>
+    <p:spTree>
+      <p:nvGrpSpPr>
+        <p:cNvPr id="1" name=""/>
+        <p:cNvGrpSpPr/>
+        <p:nvPr/>
+      </p:nvGrpSpPr>
+      <p:grpSpPr>
+        <a:xfrm>
+          <a:off x="0" y="0"/>
+          <a:ext cx="0" cy="0"/>
+          <a:chOff x="0" y="0"/>
+          <a:chExt cx="0" cy="0"/>
+        </a:xfrm>
+      </p:grpSpPr>
+      <p:sp>
+        <p:nvSpPr>
+          <p:cNvPr id="2" name="Title 1">
+            <a:extLst>
+              <a:ext uri="{FF2B5EF4-FFF2-40B4-BE49-F238E27FC236}">
+                <a16:creationId xmlns:a16="http://schemas.microsoft.com/office/drawing/2014/main" id="{CF62EBA5-9FE8-C394-2329-FCE7E82B7DBE}"/>
+              </a:ext>
+            </a:extLst>
+          </p:cNvPr>
+          <p:cNvSpPr>
+            <a:spLocks noGrp="1"/>
+          </p:cNvSpPr>
+          <p:nvPr>
+            <p:ph type="title"/>
+          </p:nvPr>
+        </p:nvSpPr>
+        <p:spPr/>
+        <p:txBody>
+          <a:bodyPr/>
+          <a:lstStyle/>
+          <a:p>
+            <a:r>
+              <a:rPr lang="es-EC" dirty="0"/>
+              <a:t>Conducta de un mal Pagador</a:t>
+            </a:r>
+            <a:endParaRPr lang="en-US" dirty="0"/>
+          </a:p>
+        </p:txBody>
+      </p:sp>
+      <p:pic>
+        <p:nvPicPr>
+          <p:cNvPr id="16" name="Picture 15">
+            <a:extLst>
+              <a:ext uri="{FF2B5EF4-FFF2-40B4-BE49-F238E27FC236}">
+                <a16:creationId xmlns:a16="http://schemas.microsoft.com/office/drawing/2014/main" id="{C3AC4B69-1787-235D-EFB8-2D81AB54D377}"/>
+              </a:ext>
+            </a:extLst>
+          </p:cNvPr>
+          <p:cNvPicPr>
+            <a:picLocks noChangeAspect="1"/>
+          </p:cNvPicPr>
+          <p:nvPr/>
+        </p:nvPicPr>
+        <p:blipFill>
+          <a:blip r:embed="rId2"/>
+          <a:stretch>
+            <a:fillRect/>
+          </a:stretch>
+        </p:blipFill>
+        <p:spPr>
+          <a:xfrm>
+            <a:off x="2518248" y="1351846"/>
+            <a:ext cx="4047144" cy="3218596"/>
+          </a:xfrm>
+          <a:prstGeom prst="rect">
+            <a:avLst/>
+          </a:prstGeom>
+        </p:spPr>
+      </p:pic>
+      <p:sp>
+        <p:nvSpPr>
+          <p:cNvPr id="17" name="TextBox 16">
+            <a:extLst>
+              <a:ext uri="{FF2B5EF4-FFF2-40B4-BE49-F238E27FC236}">
+                <a16:creationId xmlns:a16="http://schemas.microsoft.com/office/drawing/2014/main" id="{89C11C2E-B549-91AB-AD9D-312BC35DF281}"/>
+              </a:ext>
+            </a:extLst>
+          </p:cNvPr>
+          <p:cNvSpPr txBox="1"/>
+          <p:nvPr/>
+        </p:nvSpPr>
+        <p:spPr>
+          <a:xfrm>
+            <a:off x="3410464" y="970917"/>
+            <a:ext cx="2323072" cy="307777"/>
+          </a:xfrm>
+          <a:prstGeom prst="rect">
+            <a:avLst/>
+          </a:prstGeom>
+          <a:noFill/>
+        </p:spPr>
+        <p:txBody>
+          <a:bodyPr wrap="none" rtlCol="0">
+            <a:spAutoFit/>
+          </a:bodyPr>
+          <a:lstStyle/>
+          <a:p>
+            <a:r>
+              <a:rPr lang="es-EC" dirty="0"/>
+              <a:t>Meses desde último atraso</a:t>
+            </a:r>
+            <a:endParaRPr lang="es-EC" sz="700" dirty="0">
+              <a:highlight>
+                <a:srgbClr val="FF0000"/>
+              </a:highlight>
+            </a:endParaRPr>
+          </a:p>
+        </p:txBody>
+      </p:sp>
+      <p:sp>
+        <p:nvSpPr>
+          <p:cNvPr id="15" name="CuadroTexto 14">
+            <a:extLst>
+              <a:ext uri="{FF2B5EF4-FFF2-40B4-BE49-F238E27FC236}">
+                <a16:creationId xmlns:a16="http://schemas.microsoft.com/office/drawing/2014/main" id="{C1EA2118-63E5-968A-BA1E-681A5E27750E}"/>
+              </a:ext>
+            </a:extLst>
+          </p:cNvPr>
+          <p:cNvSpPr txBox="1"/>
+          <p:nvPr/>
+        </p:nvSpPr>
+        <p:spPr>
+          <a:xfrm>
+            <a:off x="2518248" y="4700136"/>
+            <a:ext cx="4572000" cy="307777"/>
+          </a:xfrm>
+          <a:prstGeom prst="rect">
+            <a:avLst/>
+          </a:prstGeom>
+          <a:noFill/>
+        </p:spPr>
+        <p:txBody>
+          <a:bodyPr wrap="square">
+            <a:spAutoFit/>
+          </a:bodyPr>
+          <a:lstStyle/>
+          <a:p>
+            <a:r>
+              <a:rPr lang="en-US" b="0" dirty="0" err="1">
+                <a:solidFill>
+                  <a:srgbClr val="000000"/>
+                </a:solidFill>
+                <a:effectLst/>
+                <a:highlight>
+                  <a:srgbClr val="F7F7F7"/>
+                </a:highlight>
+                <a:latin typeface="Courier New" panose="02070309020205020404" pitchFamily="49" charset="0"/>
+              </a:rPr>
+              <a:t>riesgo</a:t>
+            </a:r>
+            <a:r>
+              <a:rPr lang="en-US" b="0" dirty="0">
+                <a:solidFill>
+                  <a:srgbClr val="000000"/>
+                </a:solidFill>
+                <a:effectLst/>
+                <a:highlight>
+                  <a:srgbClr val="F7F7F7"/>
+                </a:highlight>
+                <a:latin typeface="Courier New" panose="02070309020205020404" pitchFamily="49" charset="0"/>
+              </a:rPr>
+              <a:t> == </a:t>
+            </a:r>
+            <a:r>
+              <a:rPr lang="en-US" b="0" dirty="0">
+                <a:solidFill>
+                  <a:srgbClr val="A31515"/>
+                </a:solidFill>
+                <a:effectLst/>
+                <a:highlight>
+                  <a:srgbClr val="F7F7F7"/>
+                </a:highlight>
+                <a:latin typeface="Courier New" panose="02070309020205020404" pitchFamily="49" charset="0"/>
+              </a:rPr>
+              <a:t>'low risk'</a:t>
+            </a:r>
+            <a:r>
+              <a:rPr lang="en-US" b="0" dirty="0">
+                <a:solidFill>
+                  <a:srgbClr val="000000"/>
+                </a:solidFill>
+                <a:effectLst/>
+                <a:highlight>
+                  <a:srgbClr val="F7F7F7"/>
+                </a:highlight>
+                <a:latin typeface="Courier New" panose="02070309020205020404" pitchFamily="49" charset="0"/>
+              </a:rPr>
+              <a:t> </a:t>
+            </a:r>
+            <a:r>
+              <a:rPr lang="en-US" b="0" dirty="0">
+                <a:solidFill>
+                  <a:srgbClr val="0000FF"/>
+                </a:solidFill>
+                <a:effectLst/>
+                <a:highlight>
+                  <a:srgbClr val="F7F7F7"/>
+                </a:highlight>
+                <a:latin typeface="Courier New" panose="02070309020205020404" pitchFamily="49" charset="0"/>
+              </a:rPr>
+              <a:t>and</a:t>
+            </a:r>
+            <a:r>
+              <a:rPr lang="en-US" b="0" dirty="0">
+                <a:solidFill>
+                  <a:srgbClr val="000000"/>
+                </a:solidFill>
+                <a:effectLst/>
+                <a:highlight>
+                  <a:srgbClr val="F7F7F7"/>
+                </a:highlight>
+                <a:latin typeface="Courier New" panose="02070309020205020404" pitchFamily="49" charset="0"/>
+              </a:rPr>
+              <a:t> meses &lt;</a:t>
+            </a:r>
+            <a:r>
+              <a:rPr lang="en-US" b="0" dirty="0">
+                <a:solidFill>
+                  <a:srgbClr val="116644"/>
+                </a:solidFill>
+                <a:effectLst/>
+                <a:highlight>
+                  <a:srgbClr val="F7F7F7"/>
+                </a:highlight>
+                <a:latin typeface="Courier New" panose="02070309020205020404" pitchFamily="49" charset="0"/>
+              </a:rPr>
+              <a:t>6</a:t>
+            </a:r>
+            <a:endParaRPr lang="en-US" b="0" dirty="0">
+              <a:solidFill>
+                <a:srgbClr val="000000"/>
+              </a:solidFill>
+              <a:effectLst/>
+              <a:highlight>
+                <a:srgbClr val="F7F7F7"/>
+              </a:highlight>
+              <a:latin typeface="Courier New" panose="02070309020205020404" pitchFamily="49" charset="0"/>
+            </a:endParaRPr>
+          </a:p>
+        </p:txBody>
+      </p:sp>
+    </p:spTree>
+    <p:extLst>
+      <p:ext uri="{BB962C8B-B14F-4D97-AF65-F5344CB8AC3E}">
+        <p14:creationId xmlns:p14="http://schemas.microsoft.com/office/powerpoint/2010/main" val="3118720150"/>
+      </p:ext>
+    </p:extLst>
+  </p:cSld>
+  <p:clrMapOvr>
+    <a:masterClrMapping/>
+  </p:clrMapOvr>
+</p:sld>
+</file>
+
+<file path=ppt/slides/slide8.xml><?xml version="1.0" encoding="utf-8"?>
+<p:sld xmlns:a="http://schemas.openxmlformats.org/drawingml/2006/main" xmlns:r="http://schemas.openxmlformats.org/officeDocument/2006/relationships" xmlns:p="http://schemas.openxmlformats.org/presentationml/2006/main">
+  <p:cSld>
+    <p:spTree>
+      <p:nvGrpSpPr>
+        <p:cNvPr id="1" name=""/>
+        <p:cNvGrpSpPr/>
+        <p:nvPr/>
+      </p:nvGrpSpPr>
+      <p:grpSpPr>
+        <a:xfrm>
+          <a:off x="0" y="0"/>
+          <a:ext cx="0" cy="0"/>
+          <a:chOff x="0" y="0"/>
+          <a:chExt cx="0" cy="0"/>
+        </a:xfrm>
+      </p:grpSpPr>
+      <p:sp>
+        <p:nvSpPr>
+          <p:cNvPr id="14" name="Google Shape;209;p20">
+            <a:extLst>
+              <a:ext uri="{FF2B5EF4-FFF2-40B4-BE49-F238E27FC236}">
+                <a16:creationId xmlns:a16="http://schemas.microsoft.com/office/drawing/2014/main" id="{E9C183FB-9C67-858A-2822-FFFD21DBA86F}"/>
+              </a:ext>
+            </a:extLst>
+          </p:cNvPr>
+          <p:cNvSpPr/>
+          <p:nvPr/>
+        </p:nvSpPr>
+        <p:spPr>
+          <a:xfrm>
+            <a:off x="540077" y="1368234"/>
+            <a:ext cx="1661100" cy="838684"/>
+          </a:xfrm>
+          <a:prstGeom prst="rect">
+            <a:avLst/>
+          </a:prstGeom>
+          <a:solidFill>
+            <a:schemeClr val="accent4"/>
+          </a:solidFill>
+          <a:ln>
+            <a:noFill/>
+          </a:ln>
+        </p:spPr>
+        <p:txBody>
+          <a:bodyPr spcFirstLastPara="1" wrap="square" lIns="91425" tIns="91425" rIns="91425" bIns="91425" anchor="ctr" anchorCtr="0">
+            <a:noAutofit/>
+          </a:bodyPr>
+          <a:lstStyle/>
+          <a:p>
+            <a:pPr marL="0" lvl="0" indent="0" algn="l" rtl="0">
+              <a:spcBef>
+                <a:spcPts val="0"/>
+              </a:spcBef>
+              <a:spcAft>
+                <a:spcPts val="0"/>
+              </a:spcAft>
+              <a:buNone/>
+            </a:pPr>
+            <a:endParaRPr/>
+          </a:p>
+        </p:txBody>
+      </p:sp>
+      <p:sp>
+        <p:nvSpPr>
+          <p:cNvPr id="2" name="Title 1">
+            <a:extLst>
+              <a:ext uri="{FF2B5EF4-FFF2-40B4-BE49-F238E27FC236}">
+                <a16:creationId xmlns:a16="http://schemas.microsoft.com/office/drawing/2014/main" id="{CF62EBA5-9FE8-C394-2329-FCE7E82B7DBE}"/>
+              </a:ext>
+            </a:extLst>
+          </p:cNvPr>
+          <p:cNvSpPr>
+            <a:spLocks noGrp="1"/>
+          </p:cNvSpPr>
+          <p:nvPr>
+            <p:ph type="title"/>
+          </p:nvPr>
+        </p:nvSpPr>
+        <p:spPr/>
+        <p:txBody>
+          <a:bodyPr/>
+          <a:lstStyle/>
+          <a:p>
+            <a:r>
+              <a:rPr lang="es-EC" dirty="0"/>
+              <a:t>Conducta de un mal Pagador</a:t>
+            </a:r>
+            <a:endParaRPr lang="en-US" dirty="0"/>
+          </a:p>
+        </p:txBody>
+      </p:sp>
+      <p:pic>
+        <p:nvPicPr>
+          <p:cNvPr id="19" name="Picture 18">
+            <a:extLst>
+              <a:ext uri="{FF2B5EF4-FFF2-40B4-BE49-F238E27FC236}">
+                <a16:creationId xmlns:a16="http://schemas.microsoft.com/office/drawing/2014/main" id="{CF02B28C-6D11-8EBA-EC6F-093BBBBCC2B2}"/>
+              </a:ext>
+            </a:extLst>
+          </p:cNvPr>
+          <p:cNvPicPr>
+            <a:picLocks noChangeAspect="1"/>
+          </p:cNvPicPr>
+          <p:nvPr/>
+        </p:nvPicPr>
+        <p:blipFill>
+          <a:blip r:embed="rId3"/>
+          <a:stretch>
+            <a:fillRect/>
+          </a:stretch>
+        </p:blipFill>
+        <p:spPr>
+          <a:xfrm>
+            <a:off x="3798986" y="1309859"/>
+            <a:ext cx="4211158" cy="3381264"/>
+          </a:xfrm>
+          <a:prstGeom prst="rect">
+            <a:avLst/>
+          </a:prstGeom>
+        </p:spPr>
+      </p:pic>
+      <p:sp>
+        <p:nvSpPr>
+          <p:cNvPr id="20" name="TextBox 19">
+            <a:extLst>
+              <a:ext uri="{FF2B5EF4-FFF2-40B4-BE49-F238E27FC236}">
+                <a16:creationId xmlns:a16="http://schemas.microsoft.com/office/drawing/2014/main" id="{EE5FDDAB-84D1-072B-CE65-3F7193D8401F}"/>
+              </a:ext>
+            </a:extLst>
+          </p:cNvPr>
+          <p:cNvSpPr txBox="1"/>
+          <p:nvPr/>
+        </p:nvSpPr>
+        <p:spPr>
+          <a:xfrm>
+            <a:off x="3441431" y="870112"/>
+            <a:ext cx="2103461" cy="307777"/>
+          </a:xfrm>
+          <a:prstGeom prst="rect">
+            <a:avLst/>
+          </a:prstGeom>
+          <a:noFill/>
+        </p:spPr>
+        <p:txBody>
+          <a:bodyPr wrap="none" rtlCol="0">
+            <a:spAutoFit/>
+          </a:bodyPr>
+          <a:lstStyle/>
+          <a:p>
+            <a:r>
+              <a:rPr lang="es-EC" dirty="0"/>
+              <a:t>Récord atrasos (2 años)</a:t>
+            </a:r>
+            <a:endParaRPr lang="es-EC" sz="700" dirty="0">
+              <a:highlight>
+                <a:srgbClr val="FF0000"/>
+              </a:highlight>
+            </a:endParaRPr>
+          </a:p>
+        </p:txBody>
+      </p:sp>
+      <p:pic>
+        <p:nvPicPr>
+          <p:cNvPr id="22" name="Picture 21">
+            <a:extLst>
+              <a:ext uri="{FF2B5EF4-FFF2-40B4-BE49-F238E27FC236}">
+                <a16:creationId xmlns:a16="http://schemas.microsoft.com/office/drawing/2014/main" id="{B6A2F300-4A01-6A3B-9B18-033A60F8FE45}"/>
+              </a:ext>
+            </a:extLst>
+          </p:cNvPr>
+          <p:cNvPicPr>
+            <a:picLocks noChangeAspect="1"/>
+          </p:cNvPicPr>
+          <p:nvPr/>
+        </p:nvPicPr>
+        <p:blipFill>
+          <a:blip r:embed="rId4"/>
+          <a:stretch>
+            <a:fillRect/>
+          </a:stretch>
+        </p:blipFill>
+        <p:spPr>
+          <a:xfrm>
+            <a:off x="810459" y="1563657"/>
+            <a:ext cx="1120337" cy="439469"/>
+          </a:xfrm>
+          <a:prstGeom prst="rect">
+            <a:avLst/>
+          </a:prstGeom>
+        </p:spPr>
+      </p:pic>
+      <p:sp>
+        <p:nvSpPr>
+          <p:cNvPr id="4" name="Google Shape;1099;p43">
+            <a:extLst>
+              <a:ext uri="{FF2B5EF4-FFF2-40B4-BE49-F238E27FC236}">
+                <a16:creationId xmlns:a16="http://schemas.microsoft.com/office/drawing/2014/main" id="{38EBBE3F-C006-2B0F-9E7D-A961CC7940C0}"/>
+              </a:ext>
+            </a:extLst>
+          </p:cNvPr>
+          <p:cNvSpPr/>
+          <p:nvPr/>
+        </p:nvSpPr>
+        <p:spPr>
+          <a:xfrm rot="5400000">
+            <a:off x="1424466" y="1503925"/>
+            <a:ext cx="547014" cy="2682665"/>
+          </a:xfrm>
+          <a:custGeom>
+            <a:avLst/>
+            <a:gdLst/>
+            <a:ahLst/>
+            <a:cxnLst/>
+            <a:rect l="l" t="t" r="r" b="b"/>
+            <a:pathLst>
+              <a:path w="24485" h="34359" extrusionOk="0">
+                <a:moveTo>
+                  <a:pt x="12243" y="1"/>
+                </a:moveTo>
+                <a:lnTo>
+                  <a:pt x="1" y="7339"/>
+                </a:lnTo>
+                <a:lnTo>
+                  <a:pt x="1" y="34359"/>
+                </a:lnTo>
+                <a:lnTo>
+                  <a:pt x="24485" y="34359"/>
+                </a:lnTo>
+                <a:lnTo>
+                  <a:pt x="24485" y="7339"/>
+                </a:lnTo>
+                <a:lnTo>
+                  <a:pt x="12243" y="1"/>
+                </a:lnTo>
+                <a:close/>
+              </a:path>
+            </a:pathLst>
+          </a:custGeom>
+          <a:solidFill>
+            <a:schemeClr val="accent2"/>
+          </a:solidFill>
+          <a:ln>
+            <a:noFill/>
+          </a:ln>
+        </p:spPr>
+        <p:txBody>
+          <a:bodyPr spcFirstLastPara="1" wrap="square" lIns="91425" tIns="91425" rIns="91425" bIns="91425" anchor="ctr" anchorCtr="0">
+            <a:noAutofit/>
+          </a:bodyPr>
+          <a:lstStyle/>
+          <a:p>
+            <a:pPr marL="0" lvl="0" indent="0" algn="l" rtl="0">
+              <a:spcBef>
+                <a:spcPts val="0"/>
+              </a:spcBef>
+              <a:spcAft>
+                <a:spcPts val="0"/>
+              </a:spcAft>
+              <a:buNone/>
+            </a:pPr>
+            <a:endParaRPr/>
+          </a:p>
+        </p:txBody>
+      </p:sp>
+      <p:sp>
+        <p:nvSpPr>
+          <p:cNvPr id="5" name="Google Shape;1100;p43">
+            <a:extLst>
+              <a:ext uri="{FF2B5EF4-FFF2-40B4-BE49-F238E27FC236}">
+                <a16:creationId xmlns:a16="http://schemas.microsoft.com/office/drawing/2014/main" id="{6A8FC950-90AB-49FD-22AA-45A1A7A81647}"/>
+              </a:ext>
+            </a:extLst>
+          </p:cNvPr>
+          <p:cNvSpPr txBox="1"/>
+          <p:nvPr/>
+        </p:nvSpPr>
+        <p:spPr>
+          <a:xfrm>
+            <a:off x="1415748" y="2680769"/>
+            <a:ext cx="820320" cy="401611"/>
+          </a:xfrm>
+          <a:prstGeom prst="rect">
+            <a:avLst/>
+          </a:prstGeom>
+          <a:noFill/>
+          <a:ln>
+            <a:noFill/>
+          </a:ln>
+        </p:spPr>
+        <p:txBody>
+          <a:bodyPr spcFirstLastPara="1" wrap="square" lIns="91425" tIns="91425" rIns="91425" bIns="91425" anchor="ctr" anchorCtr="0">
+            <a:noAutofit/>
+          </a:bodyPr>
+          <a:lstStyle/>
+          <a:p>
+            <a:pPr marL="0" lvl="0" indent="0" algn="l" rtl="0">
+              <a:spcBef>
+                <a:spcPts val="0"/>
+              </a:spcBef>
+              <a:spcAft>
+                <a:spcPts val="0"/>
+              </a:spcAft>
+              <a:buNone/>
+            </a:pPr>
+            <a:r>
+              <a:rPr lang="en" sz="3100" dirty="0">
+                <a:solidFill>
+                  <a:schemeClr val="lt1"/>
+                </a:solidFill>
+                <a:latin typeface="Bebas Neue"/>
+                <a:ea typeface="Bebas Neue"/>
+                <a:cs typeface="Bebas Neue"/>
+                <a:sym typeface="Bebas Neue"/>
+              </a:rPr>
+              <a:t>17%</a:t>
+            </a:r>
+            <a:endParaRPr sz="3100" dirty="0">
+              <a:solidFill>
+                <a:schemeClr val="lt1"/>
+              </a:solidFill>
+              <a:latin typeface="Bebas Neue"/>
+              <a:ea typeface="Bebas Neue"/>
+              <a:cs typeface="Bebas Neue"/>
+              <a:sym typeface="Bebas Neue"/>
+            </a:endParaRPr>
+          </a:p>
+        </p:txBody>
+      </p:sp>
+      <p:grpSp>
+        <p:nvGrpSpPr>
+          <p:cNvPr id="6" name="Google Shape;1107;p43">
+            <a:extLst>
+              <a:ext uri="{FF2B5EF4-FFF2-40B4-BE49-F238E27FC236}">
+                <a16:creationId xmlns:a16="http://schemas.microsoft.com/office/drawing/2014/main" id="{2D3BBCFD-3FF6-6FD5-8E79-1A9EC735CDAD}"/>
+              </a:ext>
+            </a:extLst>
+          </p:cNvPr>
+          <p:cNvGrpSpPr/>
+          <p:nvPr/>
+        </p:nvGrpSpPr>
+        <p:grpSpPr>
+          <a:xfrm>
+            <a:off x="540077" y="2680769"/>
+            <a:ext cx="307530" cy="337928"/>
+            <a:chOff x="-61783350" y="2297100"/>
+            <a:chExt cx="316650" cy="316650"/>
+          </a:xfrm>
+        </p:grpSpPr>
+        <p:sp>
+          <p:nvSpPr>
+            <p:cNvPr id="8" name="Google Shape;1108;p43">
+              <a:extLst>
+                <a:ext uri="{FF2B5EF4-FFF2-40B4-BE49-F238E27FC236}">
+                  <a16:creationId xmlns:a16="http://schemas.microsoft.com/office/drawing/2014/main" id="{801A712E-3FB2-AB6E-8F61-A2419B4529C2}"/>
+                </a:ext>
+              </a:extLst>
+            </p:cNvPr>
+            <p:cNvSpPr/>
+            <p:nvPr/>
+          </p:nvSpPr>
+          <p:spPr>
+            <a:xfrm>
+              <a:off x="-61783350" y="2297100"/>
+              <a:ext cx="316650" cy="316650"/>
+            </a:xfrm>
+            <a:custGeom>
+              <a:avLst/>
+              <a:gdLst/>
+              <a:ahLst/>
+              <a:cxnLst/>
+              <a:rect l="l" t="t" r="r" b="b"/>
+              <a:pathLst>
+                <a:path w="12666" h="12666" extrusionOk="0">
+                  <a:moveTo>
+                    <a:pt x="379" y="0"/>
+                  </a:moveTo>
+                  <a:cubicBezTo>
+                    <a:pt x="158" y="0"/>
+                    <a:pt x="1" y="189"/>
+                    <a:pt x="1" y="441"/>
+                  </a:cubicBezTo>
+                  <a:lnTo>
+                    <a:pt x="1" y="12287"/>
+                  </a:lnTo>
+                  <a:cubicBezTo>
+                    <a:pt x="1" y="12508"/>
+                    <a:pt x="190" y="12665"/>
+                    <a:pt x="379" y="12665"/>
+                  </a:cubicBezTo>
+                  <a:lnTo>
+                    <a:pt x="12256" y="12665"/>
+                  </a:lnTo>
+                  <a:cubicBezTo>
+                    <a:pt x="12477" y="12665"/>
+                    <a:pt x="12666" y="12476"/>
+                    <a:pt x="12666" y="12287"/>
+                  </a:cubicBezTo>
+                  <a:cubicBezTo>
+                    <a:pt x="12634" y="12098"/>
+                    <a:pt x="12477" y="11878"/>
+                    <a:pt x="12256" y="11878"/>
+                  </a:cubicBezTo>
+                  <a:lnTo>
+                    <a:pt x="820" y="11878"/>
+                  </a:lnTo>
+                  <a:lnTo>
+                    <a:pt x="820" y="441"/>
+                  </a:lnTo>
+                  <a:cubicBezTo>
+                    <a:pt x="820" y="189"/>
+                    <a:pt x="631" y="0"/>
+                    <a:pt x="379" y="0"/>
+                  </a:cubicBezTo>
+                  <a:close/>
+                </a:path>
+              </a:pathLst>
+            </a:custGeom>
+            <a:solidFill>
+              <a:schemeClr val="lt1"/>
+            </a:solidFill>
+            <a:ln>
+              <a:noFill/>
+            </a:ln>
+          </p:spPr>
+          <p:txBody>
+            <a:bodyPr spcFirstLastPara="1" wrap="square" lIns="91425" tIns="91425" rIns="91425" bIns="91425" anchor="ctr" anchorCtr="0">
+              <a:noAutofit/>
+            </a:bodyPr>
+            <a:lstStyle/>
+            <a:p>
+              <a:pPr marL="0" lvl="0" indent="0" algn="l" rtl="0">
+                <a:spcBef>
+                  <a:spcPts val="0"/>
+                </a:spcBef>
+                <a:spcAft>
+                  <a:spcPts val="0"/>
+                </a:spcAft>
+                <a:buNone/>
+              </a:pPr>
+              <a:endParaRPr/>
+            </a:p>
+          </p:txBody>
+        </p:sp>
+        <p:sp>
+          <p:nvSpPr>
+            <p:cNvPr id="11" name="Google Shape;1109;p43">
+              <a:extLst>
+                <a:ext uri="{FF2B5EF4-FFF2-40B4-BE49-F238E27FC236}">
+                  <a16:creationId xmlns:a16="http://schemas.microsoft.com/office/drawing/2014/main" id="{52D6020A-2BAF-BB4F-44E8-34BE515E0A56}"/>
+                </a:ext>
+              </a:extLst>
+            </p:cNvPr>
+            <p:cNvSpPr/>
+            <p:nvPr/>
+          </p:nvSpPr>
+          <p:spPr>
+            <a:xfrm>
+              <a:off x="-61742375" y="2387675"/>
+              <a:ext cx="275675" cy="151250"/>
+            </a:xfrm>
+            <a:custGeom>
+              <a:avLst/>
+              <a:gdLst/>
+              <a:ahLst/>
+              <a:cxnLst/>
+              <a:rect l="l" t="t" r="r" b="b"/>
+              <a:pathLst>
+                <a:path w="11027" h="6050" extrusionOk="0">
+                  <a:moveTo>
+                    <a:pt x="9767" y="788"/>
+                  </a:moveTo>
+                  <a:cubicBezTo>
+                    <a:pt x="10019" y="788"/>
+                    <a:pt x="10208" y="977"/>
+                    <a:pt x="10208" y="1229"/>
+                  </a:cubicBezTo>
+                  <a:cubicBezTo>
+                    <a:pt x="10176" y="1450"/>
+                    <a:pt x="10019" y="1639"/>
+                    <a:pt x="9767" y="1639"/>
+                  </a:cubicBezTo>
+                  <a:cubicBezTo>
+                    <a:pt x="9546" y="1639"/>
+                    <a:pt x="9389" y="1450"/>
+                    <a:pt x="9389" y="1229"/>
+                  </a:cubicBezTo>
+                  <a:cubicBezTo>
+                    <a:pt x="9389" y="977"/>
+                    <a:pt x="9578" y="788"/>
+                    <a:pt x="9767" y="788"/>
+                  </a:cubicBezTo>
+                  <a:close/>
+                  <a:moveTo>
+                    <a:pt x="4001" y="1607"/>
+                  </a:moveTo>
+                  <a:cubicBezTo>
+                    <a:pt x="4222" y="1607"/>
+                    <a:pt x="4379" y="1796"/>
+                    <a:pt x="4379" y="2048"/>
+                  </a:cubicBezTo>
+                  <a:cubicBezTo>
+                    <a:pt x="4379" y="2269"/>
+                    <a:pt x="4222" y="2489"/>
+                    <a:pt x="4001" y="2489"/>
+                  </a:cubicBezTo>
+                  <a:cubicBezTo>
+                    <a:pt x="3749" y="2489"/>
+                    <a:pt x="3560" y="2269"/>
+                    <a:pt x="3560" y="2048"/>
+                  </a:cubicBezTo>
+                  <a:cubicBezTo>
+                    <a:pt x="3560" y="1796"/>
+                    <a:pt x="3749" y="1607"/>
+                    <a:pt x="4001" y="1607"/>
+                  </a:cubicBezTo>
+                  <a:close/>
+                  <a:moveTo>
+                    <a:pt x="6459" y="4128"/>
+                  </a:moveTo>
+                  <a:cubicBezTo>
+                    <a:pt x="6679" y="4128"/>
+                    <a:pt x="6900" y="4317"/>
+                    <a:pt x="6900" y="4569"/>
+                  </a:cubicBezTo>
+                  <a:cubicBezTo>
+                    <a:pt x="6868" y="4758"/>
+                    <a:pt x="6711" y="4947"/>
+                    <a:pt x="6459" y="4947"/>
+                  </a:cubicBezTo>
+                  <a:cubicBezTo>
+                    <a:pt x="6238" y="4947"/>
+                    <a:pt x="6081" y="4758"/>
+                    <a:pt x="6081" y="4569"/>
+                  </a:cubicBezTo>
+                  <a:cubicBezTo>
+                    <a:pt x="6081" y="4317"/>
+                    <a:pt x="6270" y="4128"/>
+                    <a:pt x="6459" y="4128"/>
+                  </a:cubicBezTo>
+                  <a:close/>
+                  <a:moveTo>
+                    <a:pt x="1229" y="4380"/>
+                  </a:moveTo>
+                  <a:cubicBezTo>
+                    <a:pt x="1481" y="4380"/>
+                    <a:pt x="1638" y="4569"/>
+                    <a:pt x="1638" y="4789"/>
+                  </a:cubicBezTo>
+                  <a:cubicBezTo>
+                    <a:pt x="1638" y="5041"/>
+                    <a:pt x="1481" y="5230"/>
+                    <a:pt x="1229" y="5230"/>
+                  </a:cubicBezTo>
+                  <a:cubicBezTo>
+                    <a:pt x="1008" y="5230"/>
+                    <a:pt x="788" y="5041"/>
+                    <a:pt x="788" y="4789"/>
+                  </a:cubicBezTo>
+                  <a:cubicBezTo>
+                    <a:pt x="788" y="4569"/>
+                    <a:pt x="1008" y="4380"/>
+                    <a:pt x="1229" y="4380"/>
+                  </a:cubicBezTo>
+                  <a:close/>
+                  <a:moveTo>
+                    <a:pt x="9767" y="0"/>
+                  </a:moveTo>
+                  <a:cubicBezTo>
+                    <a:pt x="9105" y="0"/>
+                    <a:pt x="8570" y="536"/>
+                    <a:pt x="8570" y="1229"/>
+                  </a:cubicBezTo>
+                  <a:cubicBezTo>
+                    <a:pt x="8570" y="1418"/>
+                    <a:pt x="8601" y="1576"/>
+                    <a:pt x="8664" y="1765"/>
+                  </a:cubicBezTo>
+                  <a:lnTo>
+                    <a:pt x="7026" y="3434"/>
+                  </a:lnTo>
+                  <a:cubicBezTo>
+                    <a:pt x="6868" y="3340"/>
+                    <a:pt x="6679" y="3308"/>
+                    <a:pt x="6459" y="3308"/>
+                  </a:cubicBezTo>
+                  <a:cubicBezTo>
+                    <a:pt x="6270" y="3308"/>
+                    <a:pt x="6112" y="3340"/>
+                    <a:pt x="5923" y="3434"/>
+                  </a:cubicBezTo>
+                  <a:lnTo>
+                    <a:pt x="5104" y="2584"/>
+                  </a:lnTo>
+                  <a:cubicBezTo>
+                    <a:pt x="5167" y="2426"/>
+                    <a:pt x="5199" y="2237"/>
+                    <a:pt x="5199" y="2048"/>
+                  </a:cubicBezTo>
+                  <a:cubicBezTo>
+                    <a:pt x="5199" y="1387"/>
+                    <a:pt x="4663" y="788"/>
+                    <a:pt x="4001" y="788"/>
+                  </a:cubicBezTo>
+                  <a:cubicBezTo>
+                    <a:pt x="3308" y="788"/>
+                    <a:pt x="2773" y="1324"/>
+                    <a:pt x="2773" y="2048"/>
+                  </a:cubicBezTo>
+                  <a:cubicBezTo>
+                    <a:pt x="2773" y="2237"/>
+                    <a:pt x="2804" y="2395"/>
+                    <a:pt x="2899" y="2584"/>
+                  </a:cubicBezTo>
+                  <a:lnTo>
+                    <a:pt x="1796" y="3686"/>
+                  </a:lnTo>
+                  <a:cubicBezTo>
+                    <a:pt x="1638" y="3623"/>
+                    <a:pt x="1418" y="3592"/>
+                    <a:pt x="1229" y="3592"/>
+                  </a:cubicBezTo>
+                  <a:cubicBezTo>
+                    <a:pt x="567" y="3592"/>
+                    <a:pt x="0" y="4128"/>
+                    <a:pt x="0" y="4852"/>
+                  </a:cubicBezTo>
+                  <a:cubicBezTo>
+                    <a:pt x="0" y="5514"/>
+                    <a:pt x="567" y="6049"/>
+                    <a:pt x="1229" y="6049"/>
+                  </a:cubicBezTo>
+                  <a:cubicBezTo>
+                    <a:pt x="1890" y="6049"/>
+                    <a:pt x="2458" y="5514"/>
+                    <a:pt x="2458" y="4852"/>
+                  </a:cubicBezTo>
+                  <a:cubicBezTo>
+                    <a:pt x="2458" y="4632"/>
+                    <a:pt x="2426" y="4474"/>
+                    <a:pt x="2332" y="4285"/>
+                  </a:cubicBezTo>
+                  <a:lnTo>
+                    <a:pt x="3434" y="3182"/>
+                  </a:lnTo>
+                  <a:cubicBezTo>
+                    <a:pt x="3592" y="3245"/>
+                    <a:pt x="3781" y="3308"/>
+                    <a:pt x="4001" y="3308"/>
+                  </a:cubicBezTo>
+                  <a:cubicBezTo>
+                    <a:pt x="4190" y="3308"/>
+                    <a:pt x="4348" y="3277"/>
+                    <a:pt x="4537" y="3182"/>
+                  </a:cubicBezTo>
+                  <a:lnTo>
+                    <a:pt x="5356" y="4001"/>
+                  </a:lnTo>
+                  <a:cubicBezTo>
+                    <a:pt x="5293" y="4159"/>
+                    <a:pt x="5262" y="4348"/>
+                    <a:pt x="5262" y="4569"/>
+                  </a:cubicBezTo>
+                  <a:cubicBezTo>
+                    <a:pt x="5262" y="5230"/>
+                    <a:pt x="5797" y="5766"/>
+                    <a:pt x="6459" y="5766"/>
+                  </a:cubicBezTo>
+                  <a:cubicBezTo>
+                    <a:pt x="7152" y="5766"/>
+                    <a:pt x="7687" y="5230"/>
+                    <a:pt x="7687" y="4569"/>
+                  </a:cubicBezTo>
+                  <a:cubicBezTo>
+                    <a:pt x="7687" y="4348"/>
+                    <a:pt x="7656" y="4191"/>
+                    <a:pt x="7561" y="4001"/>
+                  </a:cubicBezTo>
+                  <a:lnTo>
+                    <a:pt x="9231" y="2363"/>
+                  </a:lnTo>
+                  <a:cubicBezTo>
+                    <a:pt x="9389" y="2426"/>
+                    <a:pt x="9578" y="2489"/>
+                    <a:pt x="9767" y="2489"/>
+                  </a:cubicBezTo>
+                  <a:cubicBezTo>
+                    <a:pt x="10460" y="2489"/>
+                    <a:pt x="11027" y="1922"/>
+                    <a:pt x="11027" y="1229"/>
+                  </a:cubicBezTo>
+                  <a:cubicBezTo>
+                    <a:pt x="10995" y="536"/>
+                    <a:pt x="10460" y="0"/>
+                    <a:pt x="9767" y="0"/>
+                  </a:cubicBezTo>
+                  <a:close/>
+                </a:path>
+              </a:pathLst>
+            </a:custGeom>
+            <a:solidFill>
+              <a:schemeClr val="lt1"/>
+            </a:solidFill>
+            <a:ln>
+              <a:noFill/>
+            </a:ln>
+          </p:spPr>
+          <p:txBody>
+            <a:bodyPr spcFirstLastPara="1" wrap="square" lIns="91425" tIns="91425" rIns="91425" bIns="91425" anchor="ctr" anchorCtr="0">
+              <a:noAutofit/>
+            </a:bodyPr>
+            <a:lstStyle/>
+            <a:p>
+              <a:pPr marL="0" lvl="0" indent="0" algn="l" rtl="0">
+                <a:spcBef>
+                  <a:spcPts val="0"/>
+                </a:spcBef>
+                <a:spcAft>
+                  <a:spcPts val="0"/>
+                </a:spcAft>
+                <a:buNone/>
+              </a:pPr>
+              <a:endParaRPr/>
+            </a:p>
+          </p:txBody>
+        </p:sp>
+      </p:grpSp>
+      <p:sp>
+        <p:nvSpPr>
+          <p:cNvPr id="7" name="CuadroTexto 6">
+            <a:extLst>
+              <a:ext uri="{FF2B5EF4-FFF2-40B4-BE49-F238E27FC236}">
+                <a16:creationId xmlns:a16="http://schemas.microsoft.com/office/drawing/2014/main" id="{8BC1D00E-E2C2-789E-04A3-DA4F5AF43A61}"/>
+              </a:ext>
+            </a:extLst>
+          </p:cNvPr>
+          <p:cNvSpPr txBox="1"/>
+          <p:nvPr/>
+        </p:nvSpPr>
+        <p:spPr>
+          <a:xfrm>
+            <a:off x="4956048" y="4675975"/>
+            <a:ext cx="1719072" cy="307777"/>
+          </a:xfrm>
+          <a:prstGeom prst="rect">
+            <a:avLst/>
+          </a:prstGeom>
+          <a:noFill/>
+        </p:spPr>
+        <p:txBody>
+          <a:bodyPr wrap="square">
+            <a:spAutoFit/>
+          </a:bodyPr>
+          <a:lstStyle/>
+          <a:p>
+            <a:r>
+              <a:rPr lang="es-EC" b="0" dirty="0">
+                <a:solidFill>
+                  <a:srgbClr val="000000"/>
+                </a:solidFill>
+                <a:effectLst/>
+                <a:highlight>
+                  <a:srgbClr val="F7F7F7"/>
+                </a:highlight>
+                <a:latin typeface="Courier New" panose="02070309020205020404" pitchFamily="49" charset="0"/>
+              </a:rPr>
+              <a:t>record2yrs &gt;</a:t>
+            </a:r>
+            <a:r>
+              <a:rPr lang="es-EC" b="0" dirty="0">
+                <a:solidFill>
+                  <a:srgbClr val="116644"/>
+                </a:solidFill>
+                <a:effectLst/>
+                <a:highlight>
+                  <a:srgbClr val="F7F7F7"/>
+                </a:highlight>
+                <a:latin typeface="Courier New" panose="02070309020205020404" pitchFamily="49" charset="0"/>
+              </a:rPr>
+              <a:t>2</a:t>
+            </a:r>
+            <a:endParaRPr lang="es-EC" b="0" dirty="0">
+              <a:solidFill>
+                <a:srgbClr val="000000"/>
+              </a:solidFill>
+              <a:effectLst/>
+              <a:highlight>
+                <a:srgbClr val="F7F7F7"/>
+              </a:highlight>
+              <a:latin typeface="Courier New" panose="02070309020205020404" pitchFamily="49" charset="0"/>
+            </a:endParaRPr>
+          </a:p>
+        </p:txBody>
+      </p:sp>
+    </p:spTree>
+    <p:extLst>
+      <p:ext uri="{BB962C8B-B14F-4D97-AF65-F5344CB8AC3E}">
+        <p14:creationId xmlns:p14="http://schemas.microsoft.com/office/powerpoint/2010/main" val="3522102680"/>
+      </p:ext>
+    </p:extLst>
+  </p:cSld>
+  <p:clrMapOvr>
+    <a:masterClrMapping/>
+  </p:clrMapOvr>
+</p:sld>
+</file>
+
+<file path=ppt/slides/slide9.xml><?xml version="1.0" encoding="utf-8"?>
 <p:sld xmlns:a="http://schemas.openxmlformats.org/drawingml/2006/main" xmlns:r="http://schemas.openxmlformats.org/officeDocument/2006/relationships" xmlns:p="http://schemas.openxmlformats.org/presentationml/2006/main">
   <p:cSld>
     <p:spTree>
@@ -23025,6 +25329,15 @@
               <a:t>Esta información es crucial para nuestras estrategias de crédito, ya que nos permite entender mejor el perfil de riesgo asociado a cada categoría de antigüedad.</a:t>
             </a:r>
           </a:p>
+          <a:p>
+            <a:endParaRPr lang="es-EC" sz="1100" dirty="0"/>
+          </a:p>
+          <a:p>
+            <a:r>
+              <a:rPr lang="es-EC" sz="1100" dirty="0"/>
+              <a:t>Los clientes mas antiguos son los mas confiables.</a:t>
+            </a:r>
+          </a:p>
         </p:txBody>
       </p:sp>
       <p:sp>
@@ -23124,578 +25437,59 @@
         <p:spPr>
           <a:xfrm>
             <a:off x="3310067" y="1164893"/>
-            <a:ext cx="5376758" cy="3827156"/>
+            <a:ext cx="5129845" cy="3651404"/>
           </a:xfrm>
           <a:prstGeom prst="rect">
             <a:avLst/>
           </a:prstGeom>
         </p:spPr>
       </p:pic>
-    </p:spTree>
-  </p:cSld>
-  <p:clrMapOvr>
-    <a:masterClrMapping/>
-  </p:clrMapOvr>
-</p:sld>
-</file>
-
-<file path=ppt/slides/slide8.xml><?xml version="1.0" encoding="utf-8"?>
-<p:sld xmlns:a="http://schemas.openxmlformats.org/drawingml/2006/main" xmlns:r="http://schemas.openxmlformats.org/officeDocument/2006/relationships" xmlns:p="http://schemas.openxmlformats.org/presentationml/2006/main">
-  <p:cSld>
-    <p:spTree>
-      <p:nvGrpSpPr>
-        <p:cNvPr id="1" name="Shape 715"/>
-        <p:cNvGrpSpPr/>
-        <p:nvPr/>
-      </p:nvGrpSpPr>
-      <p:grpSpPr>
-        <a:xfrm>
-          <a:off x="0" y="0"/>
-          <a:ext cx="0" cy="0"/>
-          <a:chOff x="0" y="0"/>
-          <a:chExt cx="0" cy="0"/>
-        </a:xfrm>
-      </p:grpSpPr>
       <p:sp>
         <p:nvSpPr>
-          <p:cNvPr id="716" name="Google Shape;716;p34"/>
-          <p:cNvSpPr txBox="1">
-            <a:spLocks noGrp="1"/>
-          </p:cNvSpPr>
-          <p:nvPr>
-            <p:ph type="title"/>
-          </p:nvPr>
-        </p:nvSpPr>
-        <p:spPr>
-          <a:xfrm>
-            <a:off x="457225" y="409575"/>
-            <a:ext cx="8229600" cy="321000"/>
-          </a:xfrm>
-          <a:prstGeom prst="rect">
-            <a:avLst/>
-          </a:prstGeom>
-        </p:spPr>
-        <p:txBody>
-          <a:bodyPr spcFirstLastPara="1" wrap="square" lIns="91425" tIns="91425" rIns="91425" bIns="91425" anchor="ctr" anchorCtr="0">
-            <a:noAutofit/>
-          </a:bodyPr>
-          <a:lstStyle/>
-          <a:p>
-            <a:pPr marL="0" lvl="0" indent="0" algn="ctr" rtl="0">
-              <a:spcBef>
-                <a:spcPts val="0"/>
-              </a:spcBef>
-              <a:spcAft>
-                <a:spcPts val="0"/>
-              </a:spcAft>
-              <a:buNone/>
-            </a:pPr>
-            <a:r>
-              <a:rPr lang="en" dirty="0"/>
-              <a:t>Analisis Descriptivo</a:t>
-            </a:r>
-            <a:endParaRPr dirty="0"/>
-          </a:p>
-        </p:txBody>
-      </p:sp>
-      <p:sp>
-        <p:nvSpPr>
-          <p:cNvPr id="721" name="Google Shape;721;p34"/>
+          <p:cNvPr id="3" name="CuadroTexto 2">
+            <a:extLst>
+              <a:ext uri="{FF2B5EF4-FFF2-40B4-BE49-F238E27FC236}">
+                <a16:creationId xmlns:a16="http://schemas.microsoft.com/office/drawing/2014/main" id="{432C8A43-C2D5-6BC1-B38D-EB1EB016AD2A}"/>
+              </a:ext>
+            </a:extLst>
+          </p:cNvPr>
           <p:cNvSpPr txBox="1"/>
           <p:nvPr/>
         </p:nvSpPr>
         <p:spPr>
           <a:xfrm>
-            <a:off x="354370" y="1419958"/>
-            <a:ext cx="2955758" cy="1862738"/>
+            <a:off x="3977640" y="4755280"/>
+            <a:ext cx="4946904" cy="276999"/>
           </a:xfrm>
           <a:prstGeom prst="rect">
             <a:avLst/>
           </a:prstGeom>
           <a:noFill/>
-          <a:ln>
-            <a:noFill/>
-          </a:ln>
         </p:spPr>
         <p:txBody>
-          <a:bodyPr spcFirstLastPara="1" wrap="square" lIns="91425" tIns="91425" rIns="91425" bIns="91425" anchor="ctr" anchorCtr="0">
-            <a:noAutofit/>
+          <a:bodyPr wrap="square">
+            <a:spAutoFit/>
           </a:bodyPr>
           <a:lstStyle/>
           <a:p>
             <a:r>
-              <a:rPr lang="es-EC" sz="1100" dirty="0"/>
-              <a:t>La fuerte correlación entre </a:t>
-            </a:r>
-          </a:p>
-          <a:p>
-            <a:endParaRPr lang="es-EC" sz="1100" dirty="0"/>
-          </a:p>
-          <a:p>
-            <a:r>
-              <a:rPr lang="es-EC" sz="1100" dirty="0" err="1"/>
-              <a:t>recoveries</a:t>
-            </a:r>
-            <a:endParaRPr lang="es-EC" sz="1100" dirty="0"/>
-          </a:p>
-          <a:p>
-            <a:r>
-              <a:rPr lang="es-EC" sz="1100" dirty="0" err="1"/>
-              <a:t>collection_recovery_fee</a:t>
-            </a:r>
-            <a:r>
-              <a:rPr lang="es-EC" sz="1100" dirty="0"/>
-              <a:t> </a:t>
-            </a:r>
-          </a:p>
-          <a:p>
-            <a:endParaRPr lang="es-EC" sz="1100" dirty="0"/>
-          </a:p>
-          <a:p>
-            <a:r>
-              <a:rPr lang="es-EC" sz="1100" dirty="0"/>
-              <a:t>muestra que las comisiones se basan en un porcentaje de lo recuperado. Esto confirma que es un método válido, pero también subraya la necesidad de revisar regularmente cuán justas y efectivas son estas comisiones para asegurarnos de que son razonables y funcionan como deberían.</a:t>
-            </a:r>
-            <a:endParaRPr lang="es-EC" sz="1000" dirty="0"/>
-          </a:p>
-        </p:txBody>
-      </p:sp>
-      <p:sp>
-        <p:nvSpPr>
-          <p:cNvPr id="722" name="Google Shape;722;p34"/>
-          <p:cNvSpPr txBox="1"/>
-          <p:nvPr/>
-        </p:nvSpPr>
-        <p:spPr>
-          <a:xfrm>
-            <a:off x="3504261" y="978581"/>
-            <a:ext cx="2135427" cy="294900"/>
-          </a:xfrm>
-          <a:prstGeom prst="rect">
-            <a:avLst/>
-          </a:prstGeom>
-          <a:noFill/>
-          <a:ln>
-            <a:noFill/>
-          </a:ln>
-        </p:spPr>
-        <p:txBody>
-          <a:bodyPr spcFirstLastPara="1" wrap="square" lIns="91425" tIns="91425" rIns="91425" bIns="91425" anchor="ctr" anchorCtr="0">
-            <a:noAutofit/>
-          </a:bodyPr>
-          <a:lstStyle/>
-          <a:p>
-            <a:pPr marL="0" lvl="0" indent="0" algn="ctr" rtl="0">
-              <a:spcBef>
-                <a:spcPts val="0"/>
-              </a:spcBef>
-              <a:spcAft>
-                <a:spcPts val="0"/>
-              </a:spcAft>
-              <a:buClr>
-                <a:schemeClr val="dk1"/>
-              </a:buClr>
-              <a:buSzPts val="1100"/>
-              <a:buFont typeface="Arial"/>
-              <a:buNone/>
-            </a:pPr>
-            <a:r>
-              <a:rPr lang="es-EC" sz="1700" dirty="0">
-                <a:solidFill>
-                  <a:schemeClr val="accent1"/>
-                </a:solidFill>
-                <a:latin typeface="Fira Sans Extra Condensed Medium"/>
-                <a:ea typeface="Fira Sans Extra Condensed Medium"/>
-                <a:cs typeface="Fira Sans Extra Condensed Medium"/>
-                <a:sym typeface="Fira Sans Extra Condensed Medium"/>
-              </a:rPr>
-              <a:t>Correlación</a:t>
-            </a:r>
-          </a:p>
-          <a:p>
-            <a:pPr marL="0" lvl="0" indent="0" algn="ctr" rtl="0">
-              <a:spcBef>
-                <a:spcPts val="0"/>
-              </a:spcBef>
-              <a:spcAft>
-                <a:spcPts val="0"/>
-              </a:spcAft>
-              <a:buNone/>
-            </a:pPr>
-            <a:endParaRPr lang="es-EC" sz="1700" dirty="0">
-              <a:solidFill>
-                <a:schemeClr val="accent1"/>
-              </a:solidFill>
-              <a:latin typeface="Fira Sans Extra Condensed Medium"/>
-              <a:ea typeface="Fira Sans Extra Condensed Medium"/>
-              <a:cs typeface="Fira Sans Extra Condensed Medium"/>
-              <a:sym typeface="Fira Sans Extra Condensed Medium"/>
-            </a:endParaRPr>
-          </a:p>
-        </p:txBody>
-      </p:sp>
-      <p:pic>
-        <p:nvPicPr>
-          <p:cNvPr id="3" name="Imagen 2">
-            <a:extLst>
-              <a:ext uri="{FF2B5EF4-FFF2-40B4-BE49-F238E27FC236}">
-                <a16:creationId xmlns:a16="http://schemas.microsoft.com/office/drawing/2014/main" id="{90714706-9E16-3193-22EA-5B1AD604988F}"/>
-              </a:ext>
-            </a:extLst>
-          </p:cNvPr>
-          <p:cNvPicPr>
-            <a:picLocks noChangeAspect="1"/>
-          </p:cNvPicPr>
-          <p:nvPr/>
-        </p:nvPicPr>
-        <p:blipFill>
-          <a:blip r:embed="rId3"/>
-          <a:stretch>
-            <a:fillRect/>
-          </a:stretch>
-        </p:blipFill>
-        <p:spPr>
-          <a:xfrm>
-            <a:off x="3610257" y="1273481"/>
-            <a:ext cx="5179373" cy="3698748"/>
-          </a:xfrm>
-          <a:prstGeom prst="rect">
-            <a:avLst/>
-          </a:prstGeom>
-        </p:spPr>
-      </p:pic>
-    </p:spTree>
-    <p:extLst>
-      <p:ext uri="{BB962C8B-B14F-4D97-AF65-F5344CB8AC3E}">
-        <p14:creationId xmlns:p14="http://schemas.microsoft.com/office/powerpoint/2010/main" val="4272157552"/>
-      </p:ext>
-    </p:extLst>
-  </p:cSld>
-  <p:clrMapOvr>
-    <a:masterClrMapping/>
-  </p:clrMapOvr>
-</p:sld>
-</file>
-
-<file path=ppt/slides/slide9.xml><?xml version="1.0" encoding="utf-8"?>
-<p:sld xmlns:a="http://schemas.openxmlformats.org/drawingml/2006/main" xmlns:r="http://schemas.openxmlformats.org/officeDocument/2006/relationships" xmlns:p="http://schemas.openxmlformats.org/presentationml/2006/main">
-  <p:cSld>
-    <p:spTree>
-      <p:nvGrpSpPr>
-        <p:cNvPr id="1" name="Shape 715"/>
-        <p:cNvGrpSpPr/>
-        <p:nvPr/>
-      </p:nvGrpSpPr>
-      <p:grpSpPr>
-        <a:xfrm>
-          <a:off x="0" y="0"/>
-          <a:ext cx="0" cy="0"/>
-          <a:chOff x="0" y="0"/>
-          <a:chExt cx="0" cy="0"/>
-        </a:xfrm>
-      </p:grpSpPr>
-      <p:sp>
-        <p:nvSpPr>
-          <p:cNvPr id="716" name="Google Shape;716;p34"/>
-          <p:cNvSpPr txBox="1">
-            <a:spLocks noGrp="1"/>
-          </p:cNvSpPr>
-          <p:nvPr>
-            <p:ph type="title"/>
-          </p:nvPr>
-        </p:nvSpPr>
-        <p:spPr>
-          <a:xfrm>
-            <a:off x="457225" y="409575"/>
-            <a:ext cx="8229600" cy="321000"/>
-          </a:xfrm>
-          <a:prstGeom prst="rect">
-            <a:avLst/>
-          </a:prstGeom>
-        </p:spPr>
-        <p:txBody>
-          <a:bodyPr spcFirstLastPara="1" wrap="square" lIns="91425" tIns="91425" rIns="91425" bIns="91425" anchor="ctr" anchorCtr="0">
-            <a:noAutofit/>
-          </a:bodyPr>
-          <a:lstStyle/>
-          <a:p>
-            <a:pPr marL="0" lvl="0" indent="0" algn="ctr" rtl="0">
-              <a:spcBef>
-                <a:spcPts val="0"/>
-              </a:spcBef>
-              <a:spcAft>
-                <a:spcPts val="0"/>
-              </a:spcAft>
-              <a:buNone/>
-            </a:pPr>
-            <a:r>
-              <a:rPr lang="en" dirty="0"/>
-              <a:t>Analisis Descriptivo</a:t>
-            </a:r>
-            <a:endParaRPr dirty="0"/>
-          </a:p>
-        </p:txBody>
-      </p:sp>
-      <p:sp>
-        <p:nvSpPr>
-          <p:cNvPr id="721" name="Google Shape;721;p34"/>
-          <p:cNvSpPr txBox="1"/>
-          <p:nvPr/>
-        </p:nvSpPr>
-        <p:spPr>
-          <a:xfrm>
-            <a:off x="341111" y="1386114"/>
-            <a:ext cx="2307746" cy="3270749"/>
-          </a:xfrm>
-          <a:prstGeom prst="rect">
-            <a:avLst/>
-          </a:prstGeom>
-          <a:noFill/>
-          <a:ln>
-            <a:noFill/>
-          </a:ln>
-        </p:spPr>
-        <p:txBody>
-          <a:bodyPr spcFirstLastPara="1" wrap="square" lIns="91425" tIns="91425" rIns="91425" bIns="91425" anchor="ctr" anchorCtr="0">
-            <a:noAutofit/>
-          </a:bodyPr>
-          <a:lstStyle/>
-          <a:p>
-            <a:pPr marL="171450" lvl="0" indent="-171450" rtl="0">
-              <a:spcBef>
-                <a:spcPts val="0"/>
-              </a:spcBef>
-              <a:spcAft>
-                <a:spcPts val="0"/>
-              </a:spcAft>
-              <a:buClr>
-                <a:srgbClr val="000000"/>
-              </a:buClr>
-              <a:buSzPts val="1100"/>
-              <a:buFont typeface="Wingdings" panose="05000000000000000000" pitchFamily="2" charset="2"/>
-              <a:buChar char="Ø"/>
-            </a:pPr>
-            <a:r>
               <a:rPr lang="es-EC" sz="1200" b="0" i="0" dirty="0">
                 <a:solidFill>
-                  <a:srgbClr val="000000"/>
+                  <a:srgbClr val="212121"/>
                 </a:solidFill>
                 <a:effectLst/>
                 <a:highlight>
                   <a:srgbClr val="FFFFFF"/>
                 </a:highlight>
-                <a:latin typeface="Helvetica Neue"/>
+                <a:latin typeface="Courier New" panose="02070309020205020404" pitchFamily="49" charset="0"/>
               </a:rPr>
-              <a:t>Categoría basada en el nivel de ingresos del cliente</a:t>
+              <a:t>Antigüedad: [1900, 1969,1970,2000,2010,2020]</a:t>
             </a:r>
-          </a:p>
-          <a:p>
-            <a:pPr marL="171450" lvl="0" indent="-171450" rtl="0">
-              <a:spcBef>
-                <a:spcPts val="0"/>
-              </a:spcBef>
-              <a:spcAft>
-                <a:spcPts val="0"/>
-              </a:spcAft>
-              <a:buClr>
-                <a:srgbClr val="000000"/>
-              </a:buClr>
-              <a:buSzPts val="1100"/>
-              <a:buFont typeface="Wingdings" panose="05000000000000000000" pitchFamily="2" charset="2"/>
-              <a:buChar char="Ø"/>
-            </a:pPr>
-            <a:endParaRPr lang="es-EC" sz="1200" b="0" i="0" dirty="0">
-              <a:solidFill>
-                <a:srgbClr val="000000"/>
-              </a:solidFill>
-              <a:effectLst/>
-              <a:highlight>
-                <a:srgbClr val="FFFFFF"/>
-              </a:highlight>
-              <a:latin typeface="Helvetica Neue"/>
-            </a:endParaRPr>
-          </a:p>
-          <a:p>
-            <a:pPr marL="171450" lvl="0" indent="-171450" rtl="0">
-              <a:spcBef>
-                <a:spcPts val="0"/>
-              </a:spcBef>
-              <a:spcAft>
-                <a:spcPts val="0"/>
-              </a:spcAft>
-              <a:buClr>
-                <a:srgbClr val="000000"/>
-              </a:buClr>
-              <a:buSzPts val="1100"/>
-              <a:buFont typeface="Wingdings" panose="05000000000000000000" pitchFamily="2" charset="2"/>
-              <a:buChar char="Ø"/>
-            </a:pPr>
-            <a:r>
-              <a:rPr lang="es-EC" sz="1200" b="0" i="0" dirty="0">
-                <a:solidFill>
-                  <a:srgbClr val="000000"/>
-                </a:solidFill>
-                <a:effectLst/>
-                <a:highlight>
-                  <a:srgbClr val="FFFFFF"/>
-                </a:highlight>
-                <a:latin typeface="Helvetica Neue"/>
-              </a:rPr>
-              <a:t>Se empleará para determinar un promedio de ingresos y hacer más sencilla la evaluación de la ratio loan/</a:t>
-            </a:r>
-            <a:r>
-              <a:rPr lang="es-EC" sz="1200" b="0" i="0" dirty="0" err="1">
-                <a:solidFill>
-                  <a:srgbClr val="000000"/>
-                </a:solidFill>
-                <a:effectLst/>
-                <a:highlight>
-                  <a:srgbClr val="FFFFFF"/>
-                </a:highlight>
-                <a:latin typeface="Helvetica Neue"/>
-              </a:rPr>
-              <a:t>income</a:t>
-            </a:r>
-            <a:endParaRPr lang="es-EC" sz="1200" dirty="0">
-              <a:highlight>
-                <a:srgbClr val="FFFFFF"/>
-              </a:highlight>
-              <a:latin typeface="Helvetica Neue"/>
-            </a:endParaRPr>
+            <a:endParaRPr lang="es-EC" sz="1200" dirty="0"/>
           </a:p>
         </p:txBody>
       </p:sp>
-      <p:sp>
-        <p:nvSpPr>
-          <p:cNvPr id="722" name="Google Shape;722;p34"/>
-          <p:cNvSpPr txBox="1"/>
-          <p:nvPr/>
-        </p:nvSpPr>
-        <p:spPr>
-          <a:xfrm>
-            <a:off x="3504261" y="978581"/>
-            <a:ext cx="2135427" cy="294900"/>
-          </a:xfrm>
-          <a:prstGeom prst="rect">
-            <a:avLst/>
-          </a:prstGeom>
-          <a:noFill/>
-          <a:ln>
-            <a:noFill/>
-          </a:ln>
-        </p:spPr>
-        <p:txBody>
-          <a:bodyPr spcFirstLastPara="1" wrap="square" lIns="91425" tIns="91425" rIns="91425" bIns="91425" anchor="ctr" anchorCtr="0">
-            <a:noAutofit/>
-          </a:bodyPr>
-          <a:lstStyle/>
-          <a:p>
-            <a:pPr marL="0" lvl="0" indent="0" algn="ctr" rtl="0">
-              <a:spcBef>
-                <a:spcPts val="0"/>
-              </a:spcBef>
-              <a:spcAft>
-                <a:spcPts val="0"/>
-              </a:spcAft>
-              <a:buClr>
-                <a:schemeClr val="dk1"/>
-              </a:buClr>
-              <a:buSzPts val="1100"/>
-              <a:buFont typeface="Arial"/>
-              <a:buNone/>
-            </a:pPr>
-            <a:r>
-              <a:rPr lang="es-EC" sz="1700" dirty="0">
-                <a:solidFill>
-                  <a:schemeClr val="accent1"/>
-                </a:solidFill>
-                <a:latin typeface="Fira Sans Extra Condensed Medium"/>
-                <a:ea typeface="Fira Sans Extra Condensed Medium"/>
-                <a:cs typeface="Fira Sans Extra Condensed Medium"/>
-                <a:sym typeface="Fira Sans Extra Condensed Medium"/>
-              </a:rPr>
-              <a:t>Social </a:t>
-            </a:r>
-            <a:r>
-              <a:rPr lang="es-EC" sz="1700" dirty="0" err="1">
-                <a:solidFill>
-                  <a:schemeClr val="accent1"/>
-                </a:solidFill>
-                <a:latin typeface="Fira Sans Extra Condensed Medium"/>
-                <a:ea typeface="Fira Sans Extra Condensed Medium"/>
-                <a:cs typeface="Fira Sans Extra Condensed Medium"/>
-                <a:sym typeface="Fira Sans Extra Condensed Medium"/>
-              </a:rPr>
-              <a:t>Class</a:t>
-            </a:r>
-            <a:endParaRPr lang="es-EC" sz="1700" dirty="0">
-              <a:solidFill>
-                <a:schemeClr val="accent1"/>
-              </a:solidFill>
-              <a:latin typeface="Fira Sans Extra Condensed Medium"/>
-              <a:ea typeface="Fira Sans Extra Condensed Medium"/>
-              <a:cs typeface="Fira Sans Extra Condensed Medium"/>
-              <a:sym typeface="Fira Sans Extra Condensed Medium"/>
-            </a:endParaRPr>
-          </a:p>
-          <a:p>
-            <a:pPr marL="0" lvl="0" indent="0" algn="ctr" rtl="0">
-              <a:spcBef>
-                <a:spcPts val="0"/>
-              </a:spcBef>
-              <a:spcAft>
-                <a:spcPts val="0"/>
-              </a:spcAft>
-              <a:buNone/>
-            </a:pPr>
-            <a:endParaRPr lang="es-EC" sz="1700" dirty="0">
-              <a:solidFill>
-                <a:schemeClr val="accent1"/>
-              </a:solidFill>
-              <a:latin typeface="Fira Sans Extra Condensed Medium"/>
-              <a:ea typeface="Fira Sans Extra Condensed Medium"/>
-              <a:cs typeface="Fira Sans Extra Condensed Medium"/>
-              <a:sym typeface="Fira Sans Extra Condensed Medium"/>
-            </a:endParaRPr>
-          </a:p>
-        </p:txBody>
-      </p:sp>
-      <p:pic>
-        <p:nvPicPr>
-          <p:cNvPr id="4" name="Imagen 3">
-            <a:extLst>
-              <a:ext uri="{FF2B5EF4-FFF2-40B4-BE49-F238E27FC236}">
-                <a16:creationId xmlns:a16="http://schemas.microsoft.com/office/drawing/2014/main" id="{A299E982-A5D7-EFA7-CC2B-7D8E9DE743CD}"/>
-              </a:ext>
-            </a:extLst>
-          </p:cNvPr>
-          <p:cNvPicPr>
-            <a:picLocks noChangeAspect="1"/>
-          </p:cNvPicPr>
-          <p:nvPr/>
-        </p:nvPicPr>
-        <p:blipFill>
-          <a:blip r:embed="rId3"/>
-          <a:stretch>
-            <a:fillRect/>
-          </a:stretch>
-        </p:blipFill>
-        <p:spPr>
-          <a:xfrm>
-            <a:off x="2953238" y="1273481"/>
-            <a:ext cx="5733587" cy="3680461"/>
-          </a:xfrm>
-          <a:prstGeom prst="rect">
-            <a:avLst/>
-          </a:prstGeom>
-        </p:spPr>
-      </p:pic>
     </p:spTree>
-    <p:extLst>
-      <p:ext uri="{BB962C8B-B14F-4D97-AF65-F5344CB8AC3E}">
-        <p14:creationId xmlns:p14="http://schemas.microsoft.com/office/powerpoint/2010/main" val="3229920838"/>
-      </p:ext>
-    </p:extLst>
   </p:cSld>
   <p:clrMapOvr>
     <a:masterClrMapping/>
